--- a/FAL6567/trunk/doc/FAL6567.pptx
+++ b/FAL6567/trunk/doc/FAL6567.pptx
@@ -6,6 +6,7 @@
   </p:sldMasterIdLst>
   <p:sldIdLst>
     <p:sldId id="256" r:id="rId2"/>
+    <p:sldId id="257" r:id="rId3"/>
   </p:sldIdLst>
   <p:sldSz cx="9144000" cy="6858000" type="screen4x3"/>
   <p:notesSz cx="6858000" cy="9144000"/>
@@ -288,7 +289,7 @@
           <a:p>
             <a:fld id="{69465623-893B-4F4A-A452-A5FC43B92D34}" type="datetimeFigureOut">
               <a:rPr lang="en-CA" smtClean="0"/>
-              <a:t>2016-07-30</a:t>
+              <a:t>2016-08-03</a:t>
             </a:fld>
             <a:endParaRPr lang="en-CA"/>
           </a:p>
@@ -458,7 +459,7 @@
           <a:p>
             <a:fld id="{69465623-893B-4F4A-A452-A5FC43B92D34}" type="datetimeFigureOut">
               <a:rPr lang="en-CA" smtClean="0"/>
-              <a:t>2016-07-30</a:t>
+              <a:t>2016-08-03</a:t>
             </a:fld>
             <a:endParaRPr lang="en-CA"/>
           </a:p>
@@ -638,7 +639,7 @@
           <a:p>
             <a:fld id="{69465623-893B-4F4A-A452-A5FC43B92D34}" type="datetimeFigureOut">
               <a:rPr lang="en-CA" smtClean="0"/>
-              <a:t>2016-07-30</a:t>
+              <a:t>2016-08-03</a:t>
             </a:fld>
             <a:endParaRPr lang="en-CA"/>
           </a:p>
@@ -808,7 +809,7 @@
           <a:p>
             <a:fld id="{69465623-893B-4F4A-A452-A5FC43B92D34}" type="datetimeFigureOut">
               <a:rPr lang="en-CA" smtClean="0"/>
-              <a:t>2016-07-30</a:t>
+              <a:t>2016-08-03</a:t>
             </a:fld>
             <a:endParaRPr lang="en-CA"/>
           </a:p>
@@ -1054,7 +1055,7 @@
           <a:p>
             <a:fld id="{69465623-893B-4F4A-A452-A5FC43B92D34}" type="datetimeFigureOut">
               <a:rPr lang="en-CA" smtClean="0"/>
-              <a:t>2016-07-30</a:t>
+              <a:t>2016-08-03</a:t>
             </a:fld>
             <a:endParaRPr lang="en-CA"/>
           </a:p>
@@ -1342,7 +1343,7 @@
           <a:p>
             <a:fld id="{69465623-893B-4F4A-A452-A5FC43B92D34}" type="datetimeFigureOut">
               <a:rPr lang="en-CA" smtClean="0"/>
-              <a:t>2016-07-30</a:t>
+              <a:t>2016-08-03</a:t>
             </a:fld>
             <a:endParaRPr lang="en-CA"/>
           </a:p>
@@ -1764,7 +1765,7 @@
           <a:p>
             <a:fld id="{69465623-893B-4F4A-A452-A5FC43B92D34}" type="datetimeFigureOut">
               <a:rPr lang="en-CA" smtClean="0"/>
-              <a:t>2016-07-30</a:t>
+              <a:t>2016-08-03</a:t>
             </a:fld>
             <a:endParaRPr lang="en-CA"/>
           </a:p>
@@ -1882,7 +1883,7 @@
           <a:p>
             <a:fld id="{69465623-893B-4F4A-A452-A5FC43B92D34}" type="datetimeFigureOut">
               <a:rPr lang="en-CA" smtClean="0"/>
-              <a:t>2016-07-30</a:t>
+              <a:t>2016-08-03</a:t>
             </a:fld>
             <a:endParaRPr lang="en-CA"/>
           </a:p>
@@ -1977,7 +1978,7 @@
           <a:p>
             <a:fld id="{69465623-893B-4F4A-A452-A5FC43B92D34}" type="datetimeFigureOut">
               <a:rPr lang="en-CA" smtClean="0"/>
-              <a:t>2016-07-30</a:t>
+              <a:t>2016-08-03</a:t>
             </a:fld>
             <a:endParaRPr lang="en-CA"/>
           </a:p>
@@ -2254,7 +2255,7 @@
           <a:p>
             <a:fld id="{69465623-893B-4F4A-A452-A5FC43B92D34}" type="datetimeFigureOut">
               <a:rPr lang="en-CA" smtClean="0"/>
-              <a:t>2016-07-30</a:t>
+              <a:t>2016-08-03</a:t>
             </a:fld>
             <a:endParaRPr lang="en-CA"/>
           </a:p>
@@ -2507,7 +2508,7 @@
           <a:p>
             <a:fld id="{69465623-893B-4F4A-A452-A5FC43B92D34}" type="datetimeFigureOut">
               <a:rPr lang="en-CA" smtClean="0"/>
-              <a:t>2016-07-30</a:t>
+              <a:t>2016-08-03</a:t>
             </a:fld>
             <a:endParaRPr lang="en-CA"/>
           </a:p>
@@ -2720,7 +2721,7 @@
           <a:p>
             <a:fld id="{69465623-893B-4F4A-A452-A5FC43B92D34}" type="datetimeFigureOut">
               <a:rPr lang="en-CA" smtClean="0"/>
-              <a:t>2016-07-30</a:t>
+              <a:t>2016-08-03</a:t>
             </a:fld>
             <a:endParaRPr lang="en-CA"/>
           </a:p>
@@ -3135,7 +3136,7 @@
         <p:spPr>
           <a:xfrm>
             <a:off x="3216026" y="1268760"/>
-            <a:ext cx="2135088" cy="4464496"/>
+            <a:ext cx="2135088" cy="4896544"/>
           </a:xfrm>
           <a:prstGeom prst="rect">
             <a:avLst/>
@@ -4181,10 +4182,1343 @@
           </a:p>
         </p:txBody>
       </p:sp>
+      <p:sp>
+        <p:nvSpPr>
+          <p:cNvPr id="49" name="TextBox 48"/>
+          <p:cNvSpPr txBox="1"/>
+          <p:nvPr/>
+        </p:nvSpPr>
+        <p:spPr>
+          <a:xfrm>
+            <a:off x="3216026" y="5805264"/>
+            <a:ext cx="500458" cy="246221"/>
+          </a:xfrm>
+          <a:prstGeom prst="rect">
+            <a:avLst/>
+          </a:prstGeom>
+          <a:noFill/>
+        </p:spPr>
+        <p:txBody>
+          <a:bodyPr wrap="none" rtlCol="0">
+            <a:spAutoFit/>
+          </a:bodyPr>
+          <a:lstStyle/>
+          <a:p>
+            <a:r>
+              <a:rPr lang="en-CA" sz="1000" dirty="0" smtClean="0">
+                <a:solidFill>
+                  <a:schemeClr val="bg1"/>
+                </a:solidFill>
+              </a:rPr>
+              <a:t>RESET</a:t>
+            </a:r>
+          </a:p>
+        </p:txBody>
+      </p:sp>
+      <p:cxnSp>
+        <p:nvCxnSpPr>
+          <p:cNvPr id="51" name="Straight Arrow Connector 50"/>
+          <p:cNvCxnSpPr/>
+          <p:nvPr/>
+        </p:nvCxnSpPr>
+        <p:spPr>
+          <a:xfrm flipH="1">
+            <a:off x="2716277" y="5928374"/>
+            <a:ext cx="493668" cy="0"/>
+          </a:xfrm>
+          <a:prstGeom prst="straightConnector1">
+            <a:avLst/>
+          </a:prstGeom>
+          <a:ln>
+            <a:tailEnd type="arrow"/>
+          </a:ln>
+        </p:spPr>
+        <p:style>
+          <a:lnRef idx="1">
+            <a:schemeClr val="accent1"/>
+          </a:lnRef>
+          <a:fillRef idx="0">
+            <a:schemeClr val="accent1"/>
+          </a:fillRef>
+          <a:effectRef idx="0">
+            <a:schemeClr val="accent1"/>
+          </a:effectRef>
+          <a:fontRef idx="minor">
+            <a:schemeClr val="tx1"/>
+          </a:fontRef>
+        </p:style>
+      </p:cxnSp>
+      <p:sp>
+        <p:nvSpPr>
+          <p:cNvPr id="3" name="Rectangle 2"/>
+          <p:cNvSpPr/>
+          <p:nvPr/>
+        </p:nvSpPr>
+        <p:spPr>
+          <a:xfrm>
+            <a:off x="6156176" y="3501008"/>
+            <a:ext cx="914400" cy="914400"/>
+          </a:xfrm>
+          <a:prstGeom prst="rect">
+            <a:avLst/>
+          </a:prstGeom>
+        </p:spPr>
+        <p:style>
+          <a:lnRef idx="2">
+            <a:schemeClr val="accent1">
+              <a:shade val="50000"/>
+            </a:schemeClr>
+          </a:lnRef>
+          <a:fillRef idx="1">
+            <a:schemeClr val="accent1"/>
+          </a:fillRef>
+          <a:effectRef idx="0">
+            <a:schemeClr val="accent1"/>
+          </a:effectRef>
+          <a:fontRef idx="minor">
+            <a:schemeClr val="lt1"/>
+          </a:fontRef>
+        </p:style>
+        <p:txBody>
+          <a:bodyPr rtlCol="0" anchor="ctr"/>
+          <a:lstStyle/>
+          <a:p>
+            <a:pPr algn="ctr"/>
+            <a:r>
+              <a:rPr lang="en-CA" dirty="0" smtClean="0"/>
+              <a:t>Flash</a:t>
+            </a:r>
+            <a:endParaRPr lang="en-CA" dirty="0"/>
+          </a:p>
+        </p:txBody>
+      </p:sp>
+      <p:cxnSp>
+        <p:nvCxnSpPr>
+          <p:cNvPr id="8" name="Straight Arrow Connector 7"/>
+          <p:cNvCxnSpPr>
+            <a:stCxn id="3" idx="1"/>
+          </p:cNvCxnSpPr>
+          <p:nvPr/>
+        </p:nvCxnSpPr>
+        <p:spPr>
+          <a:xfrm flipH="1">
+            <a:off x="5410440" y="3958208"/>
+            <a:ext cx="745736" cy="0"/>
+          </a:xfrm>
+          <a:prstGeom prst="straightConnector1">
+            <a:avLst/>
+          </a:prstGeom>
+          <a:ln>
+            <a:tailEnd type="arrow"/>
+          </a:ln>
+        </p:spPr>
+        <p:style>
+          <a:lnRef idx="1">
+            <a:schemeClr val="accent1"/>
+          </a:lnRef>
+          <a:fillRef idx="0">
+            <a:schemeClr val="accent1"/>
+          </a:fillRef>
+          <a:effectRef idx="0">
+            <a:schemeClr val="accent1"/>
+          </a:effectRef>
+          <a:fontRef idx="minor">
+            <a:schemeClr val="tx1"/>
+          </a:fontRef>
+        </p:style>
+      </p:cxnSp>
     </p:spTree>
     <p:extLst>
       <p:ext uri="{BB962C8B-B14F-4D97-AF65-F5344CB8AC3E}">
         <p14:creationId xmlns:p14="http://schemas.microsoft.com/office/powerpoint/2010/main" val="1415851666"/>
+      </p:ext>
+    </p:extLst>
+  </p:cSld>
+  <p:clrMapOvr>
+    <a:masterClrMapping/>
+  </p:clrMapOvr>
+</p:sld>
+</file>
+
+<file path=ppt/slides/slide2.xml><?xml version="1.0" encoding="utf-8"?>
+<p:sld xmlns:a="http://schemas.openxmlformats.org/drawingml/2006/main" xmlns:r="http://schemas.openxmlformats.org/officeDocument/2006/relationships" xmlns:p="http://schemas.openxmlformats.org/presentationml/2006/main">
+  <p:cSld>
+    <p:spTree>
+      <p:nvGrpSpPr>
+        <p:cNvPr id="1" name=""/>
+        <p:cNvGrpSpPr/>
+        <p:nvPr/>
+      </p:nvGrpSpPr>
+      <p:grpSpPr>
+        <a:xfrm>
+          <a:off x="0" y="0"/>
+          <a:ext cx="0" cy="0"/>
+          <a:chOff x="0" y="0"/>
+          <a:chExt cx="0" cy="0"/>
+        </a:xfrm>
+      </p:grpSpPr>
+      <p:sp>
+        <p:nvSpPr>
+          <p:cNvPr id="4" name="Rectangle 3"/>
+          <p:cNvSpPr/>
+          <p:nvPr/>
+        </p:nvSpPr>
+        <p:spPr>
+          <a:xfrm>
+            <a:off x="971600" y="1628800"/>
+            <a:ext cx="1274440" cy="4176464"/>
+          </a:xfrm>
+          <a:prstGeom prst="rect">
+            <a:avLst/>
+          </a:prstGeom>
+        </p:spPr>
+        <p:style>
+          <a:lnRef idx="2">
+            <a:schemeClr val="accent1">
+              <a:shade val="50000"/>
+            </a:schemeClr>
+          </a:lnRef>
+          <a:fillRef idx="1">
+            <a:schemeClr val="accent1"/>
+          </a:fillRef>
+          <a:effectRef idx="0">
+            <a:schemeClr val="accent1"/>
+          </a:effectRef>
+          <a:fontRef idx="minor">
+            <a:schemeClr val="lt1"/>
+          </a:fontRef>
+        </p:style>
+        <p:txBody>
+          <a:bodyPr rtlCol="0" anchor="ctr"/>
+          <a:lstStyle/>
+          <a:p>
+            <a:pPr algn="ctr"/>
+            <a:r>
+              <a:rPr lang="en-CA" dirty="0" smtClean="0"/>
+              <a:t>40 pin</a:t>
+            </a:r>
+          </a:p>
+          <a:p>
+            <a:pPr algn="ctr"/>
+            <a:r>
+              <a:rPr lang="en-CA" dirty="0" smtClean="0"/>
+              <a:t>DIP footprint</a:t>
+            </a:r>
+          </a:p>
+          <a:p>
+            <a:pPr algn="ctr"/>
+            <a:r>
+              <a:rPr lang="en-CA" dirty="0" smtClean="0"/>
+              <a:t>VIC Pinout</a:t>
+            </a:r>
+            <a:endParaRPr lang="en-CA" dirty="0"/>
+          </a:p>
+        </p:txBody>
+      </p:sp>
+      <p:cxnSp>
+        <p:nvCxnSpPr>
+          <p:cNvPr id="6" name="Straight Arrow Connector 5"/>
+          <p:cNvCxnSpPr/>
+          <p:nvPr/>
+        </p:nvCxnSpPr>
+        <p:spPr>
+          <a:xfrm>
+            <a:off x="2246040" y="4365104"/>
+            <a:ext cx="1264642" cy="0"/>
+          </a:xfrm>
+          <a:prstGeom prst="straightConnector1">
+            <a:avLst/>
+          </a:prstGeom>
+          <a:ln>
+            <a:tailEnd type="arrow"/>
+          </a:ln>
+        </p:spPr>
+        <p:style>
+          <a:lnRef idx="1">
+            <a:schemeClr val="accent1"/>
+          </a:lnRef>
+          <a:fillRef idx="0">
+            <a:schemeClr val="accent1"/>
+          </a:fillRef>
+          <a:effectRef idx="0">
+            <a:schemeClr val="accent1"/>
+          </a:effectRef>
+          <a:fontRef idx="minor">
+            <a:schemeClr val="tx1"/>
+          </a:fontRef>
+        </p:style>
+      </p:cxnSp>
+      <p:sp>
+        <p:nvSpPr>
+          <p:cNvPr id="8" name="TextBox 7"/>
+          <p:cNvSpPr txBox="1"/>
+          <p:nvPr/>
+        </p:nvSpPr>
+        <p:spPr>
+          <a:xfrm>
+            <a:off x="5220071" y="5276329"/>
+            <a:ext cx="1029449" cy="707886"/>
+          </a:xfrm>
+          <a:prstGeom prst="rect">
+            <a:avLst/>
+          </a:prstGeom>
+          <a:noFill/>
+        </p:spPr>
+        <p:txBody>
+          <a:bodyPr wrap="none" rtlCol="0">
+            <a:spAutoFit/>
+          </a:bodyPr>
+          <a:lstStyle/>
+          <a:p>
+            <a:r>
+              <a:rPr lang="en-CA" sz="1000" dirty="0" smtClean="0"/>
+              <a:t>00,RAS,CAS,</a:t>
+            </a:r>
+          </a:p>
+          <a:p>
+            <a:r>
+              <a:rPr lang="en-CA" sz="1000" dirty="0" smtClean="0"/>
+              <a:t>BA,IRQ,DOTCLK,</a:t>
+            </a:r>
+          </a:p>
+          <a:p>
+            <a:r>
+              <a:rPr lang="en-CA" sz="1000" dirty="0" smtClean="0"/>
+              <a:t>AEC</a:t>
+            </a:r>
+          </a:p>
+          <a:p>
+            <a:r>
+              <a:rPr lang="en-CA" sz="1000" dirty="0" smtClean="0"/>
+              <a:t>RESET</a:t>
+            </a:r>
+            <a:endParaRPr lang="en-CA" sz="1000" dirty="0" smtClean="0"/>
+          </a:p>
+        </p:txBody>
+      </p:sp>
+      <p:sp>
+        <p:nvSpPr>
+          <p:cNvPr id="7" name="Rectangle 6"/>
+          <p:cNvSpPr/>
+          <p:nvPr/>
+        </p:nvSpPr>
+        <p:spPr>
+          <a:xfrm>
+            <a:off x="4499992" y="1628800"/>
+            <a:ext cx="648072" cy="576064"/>
+          </a:xfrm>
+          <a:prstGeom prst="rect">
+            <a:avLst/>
+          </a:prstGeom>
+        </p:spPr>
+        <p:style>
+          <a:lnRef idx="2">
+            <a:schemeClr val="accent1">
+              <a:shade val="50000"/>
+            </a:schemeClr>
+          </a:lnRef>
+          <a:fillRef idx="1">
+            <a:schemeClr val="accent1"/>
+          </a:fillRef>
+          <a:effectRef idx="0">
+            <a:schemeClr val="accent1"/>
+          </a:effectRef>
+          <a:fontRef idx="minor">
+            <a:schemeClr val="lt1"/>
+          </a:fontRef>
+        </p:style>
+        <p:txBody>
+          <a:bodyPr rtlCol="0" anchor="ctr"/>
+          <a:lstStyle/>
+          <a:p>
+            <a:pPr algn="ctr"/>
+            <a:r>
+              <a:rPr lang="en-CA" sz="1200" dirty="0" smtClean="0"/>
+              <a:t>PMOD Conn.</a:t>
+            </a:r>
+            <a:endParaRPr lang="en-CA" sz="1200" dirty="0"/>
+          </a:p>
+        </p:txBody>
+      </p:sp>
+      <p:sp>
+        <p:nvSpPr>
+          <p:cNvPr id="10" name="Rectangle 9"/>
+          <p:cNvSpPr/>
+          <p:nvPr/>
+        </p:nvSpPr>
+        <p:spPr>
+          <a:xfrm>
+            <a:off x="4499992" y="2804823"/>
+            <a:ext cx="648072" cy="576064"/>
+          </a:xfrm>
+          <a:prstGeom prst="rect">
+            <a:avLst/>
+          </a:prstGeom>
+        </p:spPr>
+        <p:style>
+          <a:lnRef idx="2">
+            <a:schemeClr val="accent1">
+              <a:shade val="50000"/>
+            </a:schemeClr>
+          </a:lnRef>
+          <a:fillRef idx="1">
+            <a:schemeClr val="accent1"/>
+          </a:fillRef>
+          <a:effectRef idx="0">
+            <a:schemeClr val="accent1"/>
+          </a:effectRef>
+          <a:fontRef idx="minor">
+            <a:schemeClr val="lt1"/>
+          </a:fontRef>
+        </p:style>
+        <p:txBody>
+          <a:bodyPr rtlCol="0" anchor="ctr"/>
+          <a:lstStyle/>
+          <a:p>
+            <a:pPr algn="ctr"/>
+            <a:r>
+              <a:rPr lang="en-CA" sz="1200" dirty="0" smtClean="0"/>
+              <a:t>PMOD Conn.</a:t>
+            </a:r>
+            <a:endParaRPr lang="en-CA" sz="1200" dirty="0"/>
+          </a:p>
+        </p:txBody>
+      </p:sp>
+      <p:sp>
+        <p:nvSpPr>
+          <p:cNvPr id="11" name="Rectangle 10"/>
+          <p:cNvSpPr/>
+          <p:nvPr/>
+        </p:nvSpPr>
+        <p:spPr>
+          <a:xfrm>
+            <a:off x="4499992" y="4077072"/>
+            <a:ext cx="648072" cy="576064"/>
+          </a:xfrm>
+          <a:prstGeom prst="rect">
+            <a:avLst/>
+          </a:prstGeom>
+        </p:spPr>
+        <p:style>
+          <a:lnRef idx="2">
+            <a:schemeClr val="accent1">
+              <a:shade val="50000"/>
+            </a:schemeClr>
+          </a:lnRef>
+          <a:fillRef idx="1">
+            <a:schemeClr val="accent1"/>
+          </a:fillRef>
+          <a:effectRef idx="0">
+            <a:schemeClr val="accent1"/>
+          </a:effectRef>
+          <a:fontRef idx="minor">
+            <a:schemeClr val="lt1"/>
+          </a:fontRef>
+        </p:style>
+        <p:txBody>
+          <a:bodyPr rtlCol="0" anchor="ctr"/>
+          <a:lstStyle/>
+          <a:p>
+            <a:pPr algn="ctr"/>
+            <a:r>
+              <a:rPr lang="en-CA" sz="1200" dirty="0" smtClean="0"/>
+              <a:t>PMOD Conn.</a:t>
+            </a:r>
+            <a:endParaRPr lang="en-CA" sz="1200" dirty="0"/>
+          </a:p>
+        </p:txBody>
+      </p:sp>
+      <p:sp>
+        <p:nvSpPr>
+          <p:cNvPr id="12" name="Rectangle 11"/>
+          <p:cNvSpPr/>
+          <p:nvPr/>
+        </p:nvSpPr>
+        <p:spPr>
+          <a:xfrm>
+            <a:off x="4499992" y="5276329"/>
+            <a:ext cx="648072" cy="576064"/>
+          </a:xfrm>
+          <a:prstGeom prst="rect">
+            <a:avLst/>
+          </a:prstGeom>
+        </p:spPr>
+        <p:style>
+          <a:lnRef idx="2">
+            <a:schemeClr val="accent1">
+              <a:shade val="50000"/>
+            </a:schemeClr>
+          </a:lnRef>
+          <a:fillRef idx="1">
+            <a:schemeClr val="accent1"/>
+          </a:fillRef>
+          <a:effectRef idx="0">
+            <a:schemeClr val="accent1"/>
+          </a:effectRef>
+          <a:fontRef idx="minor">
+            <a:schemeClr val="lt1"/>
+          </a:fontRef>
+        </p:style>
+        <p:txBody>
+          <a:bodyPr rtlCol="0" anchor="ctr"/>
+          <a:lstStyle/>
+          <a:p>
+            <a:pPr algn="ctr"/>
+            <a:r>
+              <a:rPr lang="en-CA" sz="1200" dirty="0" smtClean="0"/>
+              <a:t>PMOD Conn.</a:t>
+            </a:r>
+            <a:endParaRPr lang="en-CA" sz="1200" dirty="0"/>
+          </a:p>
+        </p:txBody>
+      </p:sp>
+      <p:cxnSp>
+        <p:nvCxnSpPr>
+          <p:cNvPr id="13" name="Straight Arrow Connector 12"/>
+          <p:cNvCxnSpPr>
+            <a:stCxn id="12" idx="1"/>
+          </p:cNvCxnSpPr>
+          <p:nvPr/>
+        </p:nvCxnSpPr>
+        <p:spPr>
+          <a:xfrm flipH="1">
+            <a:off x="3851920" y="5564361"/>
+            <a:ext cx="648072" cy="0"/>
+          </a:xfrm>
+          <a:prstGeom prst="straightConnector1">
+            <a:avLst/>
+          </a:prstGeom>
+          <a:ln>
+            <a:tailEnd type="arrow"/>
+          </a:ln>
+        </p:spPr>
+        <p:style>
+          <a:lnRef idx="1">
+            <a:schemeClr val="accent1"/>
+          </a:lnRef>
+          <a:fillRef idx="0">
+            <a:schemeClr val="accent1"/>
+          </a:fillRef>
+          <a:effectRef idx="0">
+            <a:schemeClr val="accent1"/>
+          </a:effectRef>
+          <a:fontRef idx="minor">
+            <a:schemeClr val="tx1"/>
+          </a:fontRef>
+        </p:style>
+      </p:cxnSp>
+      <p:cxnSp>
+        <p:nvCxnSpPr>
+          <p:cNvPr id="15" name="Straight Arrow Connector 14"/>
+          <p:cNvCxnSpPr/>
+          <p:nvPr/>
+        </p:nvCxnSpPr>
+        <p:spPr>
+          <a:xfrm flipH="1" flipV="1">
+            <a:off x="2246040" y="5553328"/>
+            <a:ext cx="1264642" cy="11033"/>
+          </a:xfrm>
+          <a:prstGeom prst="straightConnector1">
+            <a:avLst/>
+          </a:prstGeom>
+          <a:ln>
+            <a:tailEnd type="arrow"/>
+          </a:ln>
+        </p:spPr>
+        <p:style>
+          <a:lnRef idx="1">
+            <a:schemeClr val="accent1"/>
+          </a:lnRef>
+          <a:fillRef idx="0">
+            <a:schemeClr val="accent1"/>
+          </a:fillRef>
+          <a:effectRef idx="0">
+            <a:schemeClr val="accent1"/>
+          </a:effectRef>
+          <a:fontRef idx="minor">
+            <a:schemeClr val="tx1"/>
+          </a:fontRef>
+        </p:style>
+      </p:cxnSp>
+      <p:sp>
+        <p:nvSpPr>
+          <p:cNvPr id="17" name="TextBox 16"/>
+          <p:cNvSpPr txBox="1"/>
+          <p:nvPr/>
+        </p:nvSpPr>
+        <p:spPr>
+          <a:xfrm>
+            <a:off x="5251902" y="4099138"/>
+            <a:ext cx="825867" cy="553998"/>
+          </a:xfrm>
+          <a:prstGeom prst="rect">
+            <a:avLst/>
+          </a:prstGeom>
+          <a:noFill/>
+        </p:spPr>
+        <p:txBody>
+          <a:bodyPr wrap="none" rtlCol="0">
+            <a:spAutoFit/>
+          </a:bodyPr>
+          <a:lstStyle/>
+          <a:p>
+            <a:r>
+              <a:rPr lang="en-CA" sz="1000" dirty="0" smtClean="0"/>
+              <a:t>D8-D11</a:t>
+            </a:r>
+          </a:p>
+          <a:p>
+            <a:r>
+              <a:rPr lang="en-CA" sz="1000" dirty="0" smtClean="0"/>
+              <a:t>CS,R/W,</a:t>
+            </a:r>
+          </a:p>
+          <a:p>
+            <a:r>
+              <a:rPr lang="en-CA" sz="1000" dirty="0" smtClean="0"/>
+              <a:t>LP, A14/A15</a:t>
+            </a:r>
+            <a:endParaRPr lang="en-CA" sz="1000" dirty="0" smtClean="0"/>
+          </a:p>
+        </p:txBody>
+      </p:sp>
+      <p:cxnSp>
+        <p:nvCxnSpPr>
+          <p:cNvPr id="18" name="Straight Arrow Connector 17"/>
+          <p:cNvCxnSpPr>
+            <a:endCxn id="11" idx="1"/>
+          </p:cNvCxnSpPr>
+          <p:nvPr/>
+        </p:nvCxnSpPr>
+        <p:spPr>
+          <a:xfrm>
+            <a:off x="3851920" y="4365104"/>
+            <a:ext cx="648072" cy="0"/>
+          </a:xfrm>
+          <a:prstGeom prst="straightConnector1">
+            <a:avLst/>
+          </a:prstGeom>
+          <a:ln>
+            <a:tailEnd type="arrow"/>
+          </a:ln>
+        </p:spPr>
+        <p:style>
+          <a:lnRef idx="1">
+            <a:schemeClr val="accent1"/>
+          </a:lnRef>
+          <a:fillRef idx="0">
+            <a:schemeClr val="accent1"/>
+          </a:fillRef>
+          <a:effectRef idx="0">
+            <a:schemeClr val="accent1"/>
+          </a:effectRef>
+          <a:fontRef idx="minor">
+            <a:schemeClr val="tx1"/>
+          </a:fontRef>
+        </p:style>
+      </p:cxnSp>
+      <p:sp>
+        <p:nvSpPr>
+          <p:cNvPr id="22" name="TextBox 21"/>
+          <p:cNvSpPr txBox="1"/>
+          <p:nvPr/>
+        </p:nvSpPr>
+        <p:spPr>
+          <a:xfrm>
+            <a:off x="5251902" y="2945849"/>
+            <a:ext cx="511679" cy="246221"/>
+          </a:xfrm>
+          <a:prstGeom prst="rect">
+            <a:avLst/>
+          </a:prstGeom>
+          <a:noFill/>
+        </p:spPr>
+        <p:txBody>
+          <a:bodyPr wrap="none" rtlCol="0">
+            <a:spAutoFit/>
+          </a:bodyPr>
+          <a:lstStyle/>
+          <a:p>
+            <a:r>
+              <a:rPr lang="en-CA" sz="1000" dirty="0" smtClean="0"/>
+              <a:t>D0-D7</a:t>
+            </a:r>
+          </a:p>
+        </p:txBody>
+      </p:sp>
+      <p:sp>
+        <p:nvSpPr>
+          <p:cNvPr id="23" name="Rectangle 22"/>
+          <p:cNvSpPr/>
+          <p:nvPr/>
+        </p:nvSpPr>
+        <p:spPr>
+          <a:xfrm>
+            <a:off x="3510682" y="1644769"/>
+            <a:ext cx="360040" cy="544126"/>
+          </a:xfrm>
+          <a:prstGeom prst="rect">
+            <a:avLst/>
+          </a:prstGeom>
+        </p:spPr>
+        <p:style>
+          <a:lnRef idx="2">
+            <a:schemeClr val="accent1">
+              <a:shade val="50000"/>
+            </a:schemeClr>
+          </a:lnRef>
+          <a:fillRef idx="1">
+            <a:schemeClr val="accent1"/>
+          </a:fillRef>
+          <a:effectRef idx="0">
+            <a:schemeClr val="accent1"/>
+          </a:effectRef>
+          <a:fontRef idx="minor">
+            <a:schemeClr val="lt1"/>
+          </a:fontRef>
+        </p:style>
+        <p:txBody>
+          <a:bodyPr rtlCol="0" anchor="ctr"/>
+          <a:lstStyle/>
+          <a:p>
+            <a:pPr algn="ctr"/>
+            <a:r>
+              <a:rPr lang="en-CA" sz="900" dirty="0" smtClean="0"/>
+              <a:t>LCX245</a:t>
+            </a:r>
+            <a:endParaRPr lang="en-CA" sz="900" dirty="0"/>
+          </a:p>
+        </p:txBody>
+      </p:sp>
+      <p:sp>
+        <p:nvSpPr>
+          <p:cNvPr id="24" name="Rectangle 23"/>
+          <p:cNvSpPr/>
+          <p:nvPr/>
+        </p:nvSpPr>
+        <p:spPr>
+          <a:xfrm>
+            <a:off x="3510682" y="2820792"/>
+            <a:ext cx="360040" cy="544126"/>
+          </a:xfrm>
+          <a:prstGeom prst="rect">
+            <a:avLst/>
+          </a:prstGeom>
+        </p:spPr>
+        <p:style>
+          <a:lnRef idx="2">
+            <a:schemeClr val="accent1">
+              <a:shade val="50000"/>
+            </a:schemeClr>
+          </a:lnRef>
+          <a:fillRef idx="1">
+            <a:schemeClr val="accent1"/>
+          </a:fillRef>
+          <a:effectRef idx="0">
+            <a:schemeClr val="accent1"/>
+          </a:effectRef>
+          <a:fontRef idx="minor">
+            <a:schemeClr val="lt1"/>
+          </a:fontRef>
+        </p:style>
+        <p:txBody>
+          <a:bodyPr rtlCol="0" anchor="ctr"/>
+          <a:lstStyle/>
+          <a:p>
+            <a:pPr algn="ctr"/>
+            <a:r>
+              <a:rPr lang="en-CA" sz="900" dirty="0" smtClean="0"/>
+              <a:t>LCX245</a:t>
+            </a:r>
+            <a:endParaRPr lang="en-CA" sz="900" dirty="0"/>
+          </a:p>
+        </p:txBody>
+      </p:sp>
+      <p:sp>
+        <p:nvSpPr>
+          <p:cNvPr id="25" name="Rectangle 24"/>
+          <p:cNvSpPr/>
+          <p:nvPr/>
+        </p:nvSpPr>
+        <p:spPr>
+          <a:xfrm>
+            <a:off x="3504601" y="4093041"/>
+            <a:ext cx="360040" cy="544126"/>
+          </a:xfrm>
+          <a:prstGeom prst="rect">
+            <a:avLst/>
+          </a:prstGeom>
+        </p:spPr>
+        <p:style>
+          <a:lnRef idx="2">
+            <a:schemeClr val="accent1">
+              <a:shade val="50000"/>
+            </a:schemeClr>
+          </a:lnRef>
+          <a:fillRef idx="1">
+            <a:schemeClr val="accent1"/>
+          </a:fillRef>
+          <a:effectRef idx="0">
+            <a:schemeClr val="accent1"/>
+          </a:effectRef>
+          <a:fontRef idx="minor">
+            <a:schemeClr val="lt1"/>
+          </a:fontRef>
+        </p:style>
+        <p:txBody>
+          <a:bodyPr rtlCol="0" anchor="ctr"/>
+          <a:lstStyle/>
+          <a:p>
+            <a:pPr algn="ctr"/>
+            <a:r>
+              <a:rPr lang="en-CA" sz="900" dirty="0" smtClean="0"/>
+              <a:t>LCX245</a:t>
+            </a:r>
+            <a:endParaRPr lang="en-CA" sz="900" dirty="0"/>
+          </a:p>
+        </p:txBody>
+      </p:sp>
+      <p:sp>
+        <p:nvSpPr>
+          <p:cNvPr id="26" name="Rectangle 25"/>
+          <p:cNvSpPr/>
+          <p:nvPr/>
+        </p:nvSpPr>
+        <p:spPr>
+          <a:xfrm>
+            <a:off x="3510682" y="5317177"/>
+            <a:ext cx="360040" cy="544126"/>
+          </a:xfrm>
+          <a:prstGeom prst="rect">
+            <a:avLst/>
+          </a:prstGeom>
+        </p:spPr>
+        <p:style>
+          <a:lnRef idx="2">
+            <a:schemeClr val="accent1">
+              <a:shade val="50000"/>
+            </a:schemeClr>
+          </a:lnRef>
+          <a:fillRef idx="1">
+            <a:schemeClr val="accent1"/>
+          </a:fillRef>
+          <a:effectRef idx="0">
+            <a:schemeClr val="accent1"/>
+          </a:effectRef>
+          <a:fontRef idx="minor">
+            <a:schemeClr val="lt1"/>
+          </a:fontRef>
+        </p:style>
+        <p:txBody>
+          <a:bodyPr rtlCol="0" anchor="ctr"/>
+          <a:lstStyle/>
+          <a:p>
+            <a:pPr algn="ctr"/>
+            <a:r>
+              <a:rPr lang="en-CA" sz="900" dirty="0" smtClean="0"/>
+              <a:t>LCX245</a:t>
+            </a:r>
+            <a:endParaRPr lang="en-CA" sz="900" dirty="0"/>
+          </a:p>
+        </p:txBody>
+      </p:sp>
+      <p:cxnSp>
+        <p:nvCxnSpPr>
+          <p:cNvPr id="27" name="Straight Arrow Connector 26"/>
+          <p:cNvCxnSpPr/>
+          <p:nvPr/>
+        </p:nvCxnSpPr>
+        <p:spPr>
+          <a:xfrm flipV="1">
+            <a:off x="3551367" y="3356992"/>
+            <a:ext cx="0" cy="224067"/>
+          </a:xfrm>
+          <a:prstGeom prst="straightConnector1">
+            <a:avLst/>
+          </a:prstGeom>
+          <a:ln>
+            <a:tailEnd type="arrow"/>
+          </a:ln>
+        </p:spPr>
+        <p:style>
+          <a:lnRef idx="1">
+            <a:schemeClr val="accent1"/>
+          </a:lnRef>
+          <a:fillRef idx="0">
+            <a:schemeClr val="accent1"/>
+          </a:fillRef>
+          <a:effectRef idx="0">
+            <a:schemeClr val="accent1"/>
+          </a:effectRef>
+          <a:fontRef idx="minor">
+            <a:schemeClr val="tx1"/>
+          </a:fontRef>
+        </p:style>
+      </p:cxnSp>
+      <p:cxnSp>
+        <p:nvCxnSpPr>
+          <p:cNvPr id="28" name="Straight Connector 27"/>
+          <p:cNvCxnSpPr/>
+          <p:nvPr/>
+        </p:nvCxnSpPr>
+        <p:spPr>
+          <a:xfrm flipH="1" flipV="1">
+            <a:off x="3077159" y="3588986"/>
+            <a:ext cx="474208" cy="5771"/>
+          </a:xfrm>
+          <a:prstGeom prst="line">
+            <a:avLst/>
+          </a:prstGeom>
+        </p:spPr>
+        <p:style>
+          <a:lnRef idx="1">
+            <a:schemeClr val="accent1"/>
+          </a:lnRef>
+          <a:fillRef idx="0">
+            <a:schemeClr val="accent1"/>
+          </a:fillRef>
+          <a:effectRef idx="0">
+            <a:schemeClr val="accent1"/>
+          </a:effectRef>
+          <a:fontRef idx="minor">
+            <a:schemeClr val="tx1"/>
+          </a:fontRef>
+        </p:style>
+      </p:cxnSp>
+      <p:cxnSp>
+        <p:nvCxnSpPr>
+          <p:cNvPr id="29" name="Straight Connector 28"/>
+          <p:cNvCxnSpPr/>
+          <p:nvPr/>
+        </p:nvCxnSpPr>
+        <p:spPr>
+          <a:xfrm>
+            <a:off x="3077158" y="3588985"/>
+            <a:ext cx="0" cy="776119"/>
+          </a:xfrm>
+          <a:prstGeom prst="line">
+            <a:avLst/>
+          </a:prstGeom>
+        </p:spPr>
+        <p:style>
+          <a:lnRef idx="1">
+            <a:schemeClr val="accent1"/>
+          </a:lnRef>
+          <a:fillRef idx="0">
+            <a:schemeClr val="accent1"/>
+          </a:fillRef>
+          <a:effectRef idx="0">
+            <a:schemeClr val="accent1"/>
+          </a:effectRef>
+          <a:fontRef idx="minor">
+            <a:schemeClr val="tx1"/>
+          </a:fontRef>
+        </p:style>
+      </p:cxnSp>
+      <p:sp>
+        <p:nvSpPr>
+          <p:cNvPr id="30" name="TextBox 29"/>
+          <p:cNvSpPr txBox="1"/>
+          <p:nvPr/>
+        </p:nvSpPr>
+        <p:spPr>
+          <a:xfrm>
+            <a:off x="3077158" y="3385086"/>
+            <a:ext cx="372218" cy="215444"/>
+          </a:xfrm>
+          <a:prstGeom prst="rect">
+            <a:avLst/>
+          </a:prstGeom>
+          <a:noFill/>
+        </p:spPr>
+        <p:txBody>
+          <a:bodyPr wrap="none" rtlCol="0">
+            <a:spAutoFit/>
+          </a:bodyPr>
+          <a:lstStyle/>
+          <a:p>
+            <a:r>
+              <a:rPr lang="en-CA" sz="800" dirty="0" smtClean="0"/>
+              <a:t>R/W</a:t>
+            </a:r>
+            <a:endParaRPr lang="en-CA" sz="800" dirty="0"/>
+          </a:p>
+        </p:txBody>
+      </p:sp>
+      <p:cxnSp>
+        <p:nvCxnSpPr>
+          <p:cNvPr id="31" name="Straight Arrow Connector 30"/>
+          <p:cNvCxnSpPr>
+            <a:endCxn id="23" idx="2"/>
+          </p:cNvCxnSpPr>
+          <p:nvPr/>
+        </p:nvCxnSpPr>
+        <p:spPr>
+          <a:xfrm flipV="1">
+            <a:off x="3690702" y="2188895"/>
+            <a:ext cx="0" cy="175954"/>
+          </a:xfrm>
+          <a:prstGeom prst="straightConnector1">
+            <a:avLst/>
+          </a:prstGeom>
+          <a:ln>
+            <a:tailEnd type="arrow"/>
+          </a:ln>
+        </p:spPr>
+        <p:style>
+          <a:lnRef idx="1">
+            <a:schemeClr val="accent1"/>
+          </a:lnRef>
+          <a:fillRef idx="0">
+            <a:schemeClr val="accent1"/>
+          </a:fillRef>
+          <a:effectRef idx="0">
+            <a:schemeClr val="accent1"/>
+          </a:effectRef>
+          <a:fontRef idx="minor">
+            <a:schemeClr val="tx1"/>
+          </a:fontRef>
+        </p:style>
+      </p:cxnSp>
+      <p:sp>
+        <p:nvSpPr>
+          <p:cNvPr id="32" name="TextBox 31"/>
+          <p:cNvSpPr txBox="1"/>
+          <p:nvPr/>
+        </p:nvSpPr>
+        <p:spPr>
+          <a:xfrm>
+            <a:off x="3504601" y="2350521"/>
+            <a:ext cx="348172" cy="215444"/>
+          </a:xfrm>
+          <a:prstGeom prst="rect">
+            <a:avLst/>
+          </a:prstGeom>
+          <a:noFill/>
+        </p:spPr>
+        <p:txBody>
+          <a:bodyPr wrap="none" rtlCol="0">
+            <a:spAutoFit/>
+          </a:bodyPr>
+          <a:lstStyle/>
+          <a:p>
+            <a:r>
+              <a:rPr lang="en-CA" sz="800" dirty="0" smtClean="0"/>
+              <a:t>AEC</a:t>
+            </a:r>
+            <a:endParaRPr lang="en-CA" sz="800" dirty="0"/>
+          </a:p>
+        </p:txBody>
+      </p:sp>
+      <p:sp>
+        <p:nvSpPr>
+          <p:cNvPr id="33" name="TextBox 32"/>
+          <p:cNvSpPr txBox="1"/>
+          <p:nvPr/>
+        </p:nvSpPr>
+        <p:spPr>
+          <a:xfrm>
+            <a:off x="3138464" y="4637167"/>
+            <a:ext cx="763351" cy="215444"/>
+          </a:xfrm>
+          <a:prstGeom prst="rect">
+            <a:avLst/>
+          </a:prstGeom>
+          <a:noFill/>
+        </p:spPr>
+        <p:txBody>
+          <a:bodyPr wrap="none" rtlCol="0">
+            <a:spAutoFit/>
+          </a:bodyPr>
+          <a:lstStyle/>
+          <a:p>
+            <a:r>
+              <a:rPr lang="en-CA" sz="800" dirty="0" smtClean="0"/>
+              <a:t>Always Inputs</a:t>
+            </a:r>
+            <a:endParaRPr lang="en-CA" sz="800" dirty="0"/>
+          </a:p>
+        </p:txBody>
+      </p:sp>
+      <p:sp>
+        <p:nvSpPr>
+          <p:cNvPr id="34" name="TextBox 33"/>
+          <p:cNvSpPr txBox="1"/>
+          <p:nvPr/>
+        </p:nvSpPr>
+        <p:spPr>
+          <a:xfrm>
+            <a:off x="3132022" y="5896611"/>
+            <a:ext cx="838691" cy="215444"/>
+          </a:xfrm>
+          <a:prstGeom prst="rect">
+            <a:avLst/>
+          </a:prstGeom>
+          <a:noFill/>
+        </p:spPr>
+        <p:txBody>
+          <a:bodyPr wrap="none" rtlCol="0">
+            <a:spAutoFit/>
+          </a:bodyPr>
+          <a:lstStyle/>
+          <a:p>
+            <a:r>
+              <a:rPr lang="en-CA" sz="800" dirty="0" smtClean="0"/>
+              <a:t>Always Outputs</a:t>
+            </a:r>
+            <a:endParaRPr lang="en-CA" sz="800" dirty="0"/>
+          </a:p>
+        </p:txBody>
+      </p:sp>
+      <p:cxnSp>
+        <p:nvCxnSpPr>
+          <p:cNvPr id="37" name="Straight Arrow Connector 36"/>
+          <p:cNvCxnSpPr/>
+          <p:nvPr/>
+        </p:nvCxnSpPr>
+        <p:spPr>
+          <a:xfrm flipV="1">
+            <a:off x="3779912" y="3356992"/>
+            <a:ext cx="0" cy="175954"/>
+          </a:xfrm>
+          <a:prstGeom prst="straightConnector1">
+            <a:avLst/>
+          </a:prstGeom>
+          <a:ln>
+            <a:tailEnd type="arrow"/>
+          </a:ln>
+        </p:spPr>
+        <p:style>
+          <a:lnRef idx="1">
+            <a:schemeClr val="accent1"/>
+          </a:lnRef>
+          <a:fillRef idx="0">
+            <a:schemeClr val="accent1"/>
+          </a:fillRef>
+          <a:effectRef idx="0">
+            <a:schemeClr val="accent1"/>
+          </a:effectRef>
+          <a:fontRef idx="minor">
+            <a:schemeClr val="tx1"/>
+          </a:fontRef>
+        </p:style>
+      </p:cxnSp>
+      <p:sp>
+        <p:nvSpPr>
+          <p:cNvPr id="38" name="TextBox 37"/>
+          <p:cNvSpPr txBox="1"/>
+          <p:nvPr/>
+        </p:nvSpPr>
+        <p:spPr>
+          <a:xfrm>
+            <a:off x="3622541" y="3492808"/>
+            <a:ext cx="348172" cy="215444"/>
+          </a:xfrm>
+          <a:prstGeom prst="rect">
+            <a:avLst/>
+          </a:prstGeom>
+          <a:noFill/>
+        </p:spPr>
+        <p:txBody>
+          <a:bodyPr wrap="none" rtlCol="0">
+            <a:spAutoFit/>
+          </a:bodyPr>
+          <a:lstStyle/>
+          <a:p>
+            <a:r>
+              <a:rPr lang="en-CA" sz="800" dirty="0" smtClean="0"/>
+              <a:t>AEC</a:t>
+            </a:r>
+            <a:endParaRPr lang="en-CA" sz="800" dirty="0"/>
+          </a:p>
+        </p:txBody>
+      </p:sp>
+      <p:cxnSp>
+        <p:nvCxnSpPr>
+          <p:cNvPr id="39" name="Straight Arrow Connector 38"/>
+          <p:cNvCxnSpPr>
+            <a:stCxn id="24" idx="3"/>
+            <a:endCxn id="10" idx="1"/>
+          </p:cNvCxnSpPr>
+          <p:nvPr/>
+        </p:nvCxnSpPr>
+        <p:spPr>
+          <a:xfrm>
+            <a:off x="3870722" y="3092855"/>
+            <a:ext cx="629270" cy="0"/>
+          </a:xfrm>
+          <a:prstGeom prst="straightConnector1">
+            <a:avLst/>
+          </a:prstGeom>
+          <a:ln>
+            <a:headEnd type="arrow"/>
+            <a:tailEnd type="arrow"/>
+          </a:ln>
+        </p:spPr>
+        <p:style>
+          <a:lnRef idx="1">
+            <a:schemeClr val="accent1"/>
+          </a:lnRef>
+          <a:fillRef idx="0">
+            <a:schemeClr val="accent1"/>
+          </a:fillRef>
+          <a:effectRef idx="0">
+            <a:schemeClr val="accent1"/>
+          </a:effectRef>
+          <a:fontRef idx="minor">
+            <a:schemeClr val="tx1"/>
+          </a:fontRef>
+        </p:style>
+      </p:cxnSp>
+      <p:cxnSp>
+        <p:nvCxnSpPr>
+          <p:cNvPr id="43" name="Straight Arrow Connector 42"/>
+          <p:cNvCxnSpPr>
+            <a:stCxn id="24" idx="1"/>
+          </p:cNvCxnSpPr>
+          <p:nvPr/>
+        </p:nvCxnSpPr>
+        <p:spPr>
+          <a:xfrm flipH="1">
+            <a:off x="2246040" y="3092855"/>
+            <a:ext cx="1264642" cy="0"/>
+          </a:xfrm>
+          <a:prstGeom prst="straightConnector1">
+            <a:avLst/>
+          </a:prstGeom>
+          <a:ln>
+            <a:headEnd type="arrow"/>
+            <a:tailEnd type="arrow"/>
+          </a:ln>
+        </p:spPr>
+        <p:style>
+          <a:lnRef idx="1">
+            <a:schemeClr val="accent1"/>
+          </a:lnRef>
+          <a:fillRef idx="0">
+            <a:schemeClr val="accent1"/>
+          </a:fillRef>
+          <a:effectRef idx="0">
+            <a:schemeClr val="accent1"/>
+          </a:effectRef>
+          <a:fontRef idx="minor">
+            <a:schemeClr val="tx1"/>
+          </a:fontRef>
+        </p:style>
+      </p:cxnSp>
+      <p:sp>
+        <p:nvSpPr>
+          <p:cNvPr id="45" name="TextBox 44"/>
+          <p:cNvSpPr txBox="1"/>
+          <p:nvPr/>
+        </p:nvSpPr>
+        <p:spPr>
+          <a:xfrm>
+            <a:off x="5263753" y="1716777"/>
+            <a:ext cx="567784" cy="400110"/>
+          </a:xfrm>
+          <a:prstGeom prst="rect">
+            <a:avLst/>
+          </a:prstGeom>
+          <a:noFill/>
+        </p:spPr>
+        <p:txBody>
+          <a:bodyPr wrap="none" rtlCol="0">
+            <a:spAutoFit/>
+          </a:bodyPr>
+          <a:lstStyle/>
+          <a:p>
+            <a:r>
+              <a:rPr lang="en-CA" sz="1000" dirty="0" smtClean="0"/>
+              <a:t>A0-A7</a:t>
+            </a:r>
+          </a:p>
+          <a:p>
+            <a:r>
+              <a:rPr lang="en-CA" sz="1000" dirty="0" smtClean="0"/>
+              <a:t>A8-A15</a:t>
+            </a:r>
+            <a:endParaRPr lang="en-CA" sz="1000" dirty="0"/>
+          </a:p>
+        </p:txBody>
+      </p:sp>
+      <p:cxnSp>
+        <p:nvCxnSpPr>
+          <p:cNvPr id="46" name="Straight Arrow Connector 45"/>
+          <p:cNvCxnSpPr>
+            <a:stCxn id="7" idx="1"/>
+            <a:endCxn id="23" idx="3"/>
+          </p:cNvCxnSpPr>
+          <p:nvPr/>
+        </p:nvCxnSpPr>
+        <p:spPr>
+          <a:xfrm flipH="1">
+            <a:off x="3870722" y="1916832"/>
+            <a:ext cx="629270" cy="0"/>
+          </a:xfrm>
+          <a:prstGeom prst="straightConnector1">
+            <a:avLst/>
+          </a:prstGeom>
+          <a:ln>
+            <a:headEnd type="arrow"/>
+            <a:tailEnd type="arrow"/>
+          </a:ln>
+        </p:spPr>
+        <p:style>
+          <a:lnRef idx="1">
+            <a:schemeClr val="accent1"/>
+          </a:lnRef>
+          <a:fillRef idx="0">
+            <a:schemeClr val="accent1"/>
+          </a:fillRef>
+          <a:effectRef idx="0">
+            <a:schemeClr val="accent1"/>
+          </a:effectRef>
+          <a:fontRef idx="minor">
+            <a:schemeClr val="tx1"/>
+          </a:fontRef>
+        </p:style>
+      </p:cxnSp>
+      <p:cxnSp>
+        <p:nvCxnSpPr>
+          <p:cNvPr id="48" name="Straight Arrow Connector 47"/>
+          <p:cNvCxnSpPr>
+            <a:stCxn id="23" idx="1"/>
+          </p:cNvCxnSpPr>
+          <p:nvPr/>
+        </p:nvCxnSpPr>
+        <p:spPr>
+          <a:xfrm flipH="1">
+            <a:off x="2246040" y="1916832"/>
+            <a:ext cx="1264642" cy="0"/>
+          </a:xfrm>
+          <a:prstGeom prst="straightConnector1">
+            <a:avLst/>
+          </a:prstGeom>
+          <a:ln>
+            <a:headEnd type="arrow"/>
+            <a:tailEnd type="arrow"/>
+          </a:ln>
+        </p:spPr>
+        <p:style>
+          <a:lnRef idx="1">
+            <a:schemeClr val="accent1"/>
+          </a:lnRef>
+          <a:fillRef idx="0">
+            <a:schemeClr val="accent1"/>
+          </a:fillRef>
+          <a:effectRef idx="0">
+            <a:schemeClr val="accent1"/>
+          </a:effectRef>
+          <a:fontRef idx="minor">
+            <a:schemeClr val="tx1"/>
+          </a:fontRef>
+        </p:style>
+      </p:cxnSp>
+    </p:spTree>
+    <p:extLst>
+      <p:ext uri="{BB962C8B-B14F-4D97-AF65-F5344CB8AC3E}">
+        <p14:creationId xmlns:p14="http://schemas.microsoft.com/office/powerpoint/2010/main" val="1830208626"/>
       </p:ext>
     </p:extLst>
   </p:cSld>

--- a/FAL6567/trunk/doc/FAL6567.pptx
+++ b/FAL6567/trunk/doc/FAL6567.pptx
@@ -5,8 +5,9 @@
     <p:sldMasterId id="2147483648" r:id="rId1"/>
   </p:sldMasterIdLst>
   <p:sldIdLst>
-    <p:sldId id="256" r:id="rId2"/>
-    <p:sldId id="257" r:id="rId3"/>
+    <p:sldId id="258" r:id="rId2"/>
+    <p:sldId id="256" r:id="rId3"/>
+    <p:sldId id="257" r:id="rId4"/>
   </p:sldIdLst>
   <p:sldSz cx="9144000" cy="6858000" type="screen4x3"/>
   <p:notesSz cx="6858000" cy="9144000"/>
@@ -289,7 +290,7 @@
           <a:p>
             <a:fld id="{69465623-893B-4F4A-A452-A5FC43B92D34}" type="datetimeFigureOut">
               <a:rPr lang="en-CA" smtClean="0"/>
-              <a:t>2016-08-03</a:t>
+              <a:t>2016-08-08</a:t>
             </a:fld>
             <a:endParaRPr lang="en-CA"/>
           </a:p>
@@ -459,7 +460,7 @@
           <a:p>
             <a:fld id="{69465623-893B-4F4A-A452-A5FC43B92D34}" type="datetimeFigureOut">
               <a:rPr lang="en-CA" smtClean="0"/>
-              <a:t>2016-08-03</a:t>
+              <a:t>2016-08-08</a:t>
             </a:fld>
             <a:endParaRPr lang="en-CA"/>
           </a:p>
@@ -639,7 +640,7 @@
           <a:p>
             <a:fld id="{69465623-893B-4F4A-A452-A5FC43B92D34}" type="datetimeFigureOut">
               <a:rPr lang="en-CA" smtClean="0"/>
-              <a:t>2016-08-03</a:t>
+              <a:t>2016-08-08</a:t>
             </a:fld>
             <a:endParaRPr lang="en-CA"/>
           </a:p>
@@ -809,7 +810,7 @@
           <a:p>
             <a:fld id="{69465623-893B-4F4A-A452-A5FC43B92D34}" type="datetimeFigureOut">
               <a:rPr lang="en-CA" smtClean="0"/>
-              <a:t>2016-08-03</a:t>
+              <a:t>2016-08-08</a:t>
             </a:fld>
             <a:endParaRPr lang="en-CA"/>
           </a:p>
@@ -1055,7 +1056,7 @@
           <a:p>
             <a:fld id="{69465623-893B-4F4A-A452-A5FC43B92D34}" type="datetimeFigureOut">
               <a:rPr lang="en-CA" smtClean="0"/>
-              <a:t>2016-08-03</a:t>
+              <a:t>2016-08-08</a:t>
             </a:fld>
             <a:endParaRPr lang="en-CA"/>
           </a:p>
@@ -1343,7 +1344,7 @@
           <a:p>
             <a:fld id="{69465623-893B-4F4A-A452-A5FC43B92D34}" type="datetimeFigureOut">
               <a:rPr lang="en-CA" smtClean="0"/>
-              <a:t>2016-08-03</a:t>
+              <a:t>2016-08-08</a:t>
             </a:fld>
             <a:endParaRPr lang="en-CA"/>
           </a:p>
@@ -1765,7 +1766,7 @@
           <a:p>
             <a:fld id="{69465623-893B-4F4A-A452-A5FC43B92D34}" type="datetimeFigureOut">
               <a:rPr lang="en-CA" smtClean="0"/>
-              <a:t>2016-08-03</a:t>
+              <a:t>2016-08-08</a:t>
             </a:fld>
             <a:endParaRPr lang="en-CA"/>
           </a:p>
@@ -1883,7 +1884,7 @@
           <a:p>
             <a:fld id="{69465623-893B-4F4A-A452-A5FC43B92D34}" type="datetimeFigureOut">
               <a:rPr lang="en-CA" smtClean="0"/>
-              <a:t>2016-08-03</a:t>
+              <a:t>2016-08-08</a:t>
             </a:fld>
             <a:endParaRPr lang="en-CA"/>
           </a:p>
@@ -1978,7 +1979,7 @@
           <a:p>
             <a:fld id="{69465623-893B-4F4A-A452-A5FC43B92D34}" type="datetimeFigureOut">
               <a:rPr lang="en-CA" smtClean="0"/>
-              <a:t>2016-08-03</a:t>
+              <a:t>2016-08-08</a:t>
             </a:fld>
             <a:endParaRPr lang="en-CA"/>
           </a:p>
@@ -2255,7 +2256,7 @@
           <a:p>
             <a:fld id="{69465623-893B-4F4A-A452-A5FC43B92D34}" type="datetimeFigureOut">
               <a:rPr lang="en-CA" smtClean="0"/>
-              <a:t>2016-08-03</a:t>
+              <a:t>2016-08-08</a:t>
             </a:fld>
             <a:endParaRPr lang="en-CA"/>
           </a:p>
@@ -2508,7 +2509,7 @@
           <a:p>
             <a:fld id="{69465623-893B-4F4A-A452-A5FC43B92D34}" type="datetimeFigureOut">
               <a:rPr lang="en-CA" smtClean="0"/>
-              <a:t>2016-08-03</a:t>
+              <a:t>2016-08-08</a:t>
             </a:fld>
             <a:endParaRPr lang="en-CA"/>
           </a:p>
@@ -2721,7 +2722,7 @@
           <a:p>
             <a:fld id="{69465623-893B-4F4A-A452-A5FC43B92D34}" type="datetimeFigureOut">
               <a:rPr lang="en-CA" smtClean="0"/>
-              <a:t>2016-08-03</a:t>
+              <a:t>2016-08-08</a:t>
             </a:fld>
             <a:endParaRPr lang="en-CA"/>
           </a:p>
@@ -3098,45 +3099,14 @@
       </p:grpSpPr>
       <p:sp>
         <p:nvSpPr>
-          <p:cNvPr id="2" name="Title 1"/>
-          <p:cNvSpPr>
-            <a:spLocks noGrp="1"/>
-          </p:cNvSpPr>
-          <p:nvPr>
-            <p:ph type="ctrTitle"/>
-          </p:nvPr>
-        </p:nvSpPr>
-        <p:spPr>
-          <a:xfrm>
-            <a:off x="683568" y="260649"/>
-            <a:ext cx="7772400" cy="432048"/>
-          </a:xfrm>
-        </p:spPr>
-        <p:txBody>
-          <a:bodyPr>
-            <a:normAutofit fontScale="90000"/>
-          </a:bodyPr>
-          <a:lstStyle/>
-          <a:p>
-            <a:pPr algn="l"/>
-            <a:r>
-              <a:rPr lang="en-CA" dirty="0" smtClean="0"/>
-              <a:t>FAL6567</a:t>
-            </a:r>
-            <a:endParaRPr lang="en-CA" dirty="0"/>
-          </a:p>
-        </p:txBody>
-      </p:sp>
-      <p:sp>
-        <p:nvSpPr>
-          <p:cNvPr id="5" name="Rectangle 4"/>
+          <p:cNvPr id="2" name="Rectangle 1"/>
           <p:cNvSpPr/>
           <p:nvPr/>
         </p:nvSpPr>
         <p:spPr>
           <a:xfrm>
-            <a:off x="3216026" y="1268760"/>
-            <a:ext cx="2135088" cy="4896544"/>
+            <a:off x="1331640" y="692696"/>
+            <a:ext cx="6696744" cy="4739169"/>
           </a:xfrm>
           <a:prstGeom prst="rect">
             <a:avLst/>
@@ -3159,13 +3129,12 @@
           </a:fontRef>
         </p:style>
         <p:txBody>
-          <a:bodyPr rtlCol="0" anchor="ctr"/>
-          <a:lstStyle/>
-          <a:p>
-            <a:pPr algn="ctr"/>
+          <a:bodyPr rtlCol="0" anchor="t"/>
+          <a:lstStyle/>
+          <a:p>
             <a:r>
               <a:rPr lang="en-CA" dirty="0" smtClean="0"/>
-              <a:t>FPGA</a:t>
+              <a:t>FAL6567</a:t>
             </a:r>
             <a:endParaRPr lang="en-CA" dirty="0"/>
           </a:p>
@@ -3173,62 +3142,14 @@
       </p:sp>
       <p:sp>
         <p:nvSpPr>
-          <p:cNvPr id="6" name="TextBox 5"/>
-          <p:cNvSpPr txBox="1"/>
-          <p:nvPr/>
-        </p:nvSpPr>
-        <p:spPr>
-          <a:xfrm>
-            <a:off x="3216026" y="1412776"/>
-            <a:ext cx="567784" cy="400110"/>
-          </a:xfrm>
-          <a:prstGeom prst="rect">
-            <a:avLst/>
-          </a:prstGeom>
-          <a:noFill/>
-        </p:spPr>
-        <p:txBody>
-          <a:bodyPr wrap="none" rtlCol="0">
-            <a:spAutoFit/>
-          </a:bodyPr>
-          <a:lstStyle/>
-          <a:p>
-            <a:r>
-              <a:rPr lang="en-CA" sz="1000" dirty="0" smtClean="0">
-                <a:solidFill>
-                  <a:schemeClr val="bg1"/>
-                </a:solidFill>
-              </a:rPr>
-              <a:t>A0-A7</a:t>
-            </a:r>
-          </a:p>
-          <a:p>
-            <a:r>
-              <a:rPr lang="en-CA" sz="1000" dirty="0" smtClean="0">
-                <a:solidFill>
-                  <a:schemeClr val="bg1"/>
-                </a:solidFill>
-              </a:rPr>
-              <a:t>A8-A15</a:t>
-            </a:r>
-            <a:endParaRPr lang="en-CA" sz="1000" dirty="0">
-              <a:solidFill>
-                <a:schemeClr val="bg1"/>
-              </a:solidFill>
-            </a:endParaRPr>
-          </a:p>
-        </p:txBody>
-      </p:sp>
-      <p:sp>
-        <p:nvSpPr>
-          <p:cNvPr id="7" name="Rectangle 6"/>
+          <p:cNvPr id="3" name="Rectangle 2"/>
           <p:cNvSpPr/>
           <p:nvPr/>
         </p:nvSpPr>
         <p:spPr>
           <a:xfrm>
-            <a:off x="2256246" y="1268760"/>
-            <a:ext cx="360040" cy="544126"/>
+            <a:off x="2195736" y="2623553"/>
+            <a:ext cx="2160240" cy="2257826"/>
           </a:xfrm>
           <a:prstGeom prst="rect">
             <a:avLst/>
@@ -3256,92 +3177,37 @@
           <a:p>
             <a:pPr algn="ctr"/>
             <a:r>
-              <a:rPr lang="en-CA" sz="900" dirty="0" smtClean="0"/>
-              <a:t>LCX245</a:t>
-            </a:r>
-            <a:endParaRPr lang="en-CA" sz="900" dirty="0"/>
-          </a:p>
-        </p:txBody>
-      </p:sp>
-      <p:cxnSp>
-        <p:nvCxnSpPr>
-          <p:cNvPr id="9" name="Straight Arrow Connector 8"/>
-          <p:cNvCxnSpPr>
-            <a:endCxn id="7" idx="3"/>
-          </p:cNvCxnSpPr>
-          <p:nvPr/>
-        </p:nvCxnSpPr>
-        <p:spPr>
-          <a:xfrm flipH="1">
-            <a:off x="2616286" y="1540823"/>
-            <a:ext cx="599740" cy="0"/>
-          </a:xfrm>
-          <a:prstGeom prst="straightConnector1">
-            <a:avLst/>
-          </a:prstGeom>
-          <a:ln>
-            <a:headEnd type="arrow"/>
-            <a:tailEnd type="arrow"/>
-          </a:ln>
-        </p:spPr>
-        <p:style>
-          <a:lnRef idx="1">
-            <a:schemeClr val="accent1"/>
-          </a:lnRef>
-          <a:fillRef idx="0">
-            <a:schemeClr val="accent1"/>
-          </a:fillRef>
-          <a:effectRef idx="0">
-            <a:schemeClr val="accent1"/>
-          </a:effectRef>
-          <a:fontRef idx="minor">
-            <a:schemeClr val="tx1"/>
-          </a:fontRef>
-        </p:style>
-      </p:cxnSp>
-      <p:sp>
-        <p:nvSpPr>
-          <p:cNvPr id="11" name="TextBox 10"/>
-          <p:cNvSpPr txBox="1"/>
-          <p:nvPr/>
-        </p:nvSpPr>
-        <p:spPr>
-          <a:xfrm>
-            <a:off x="3247734" y="2592370"/>
-            <a:ext cx="511679" cy="246221"/>
-          </a:xfrm>
-          <a:prstGeom prst="rect">
-            <a:avLst/>
-          </a:prstGeom>
-          <a:noFill/>
-        </p:spPr>
-        <p:txBody>
-          <a:bodyPr wrap="none" rtlCol="0">
-            <a:spAutoFit/>
-          </a:bodyPr>
-          <a:lstStyle/>
-          <a:p>
-            <a:r>
-              <a:rPr lang="en-CA" sz="1000" dirty="0" smtClean="0">
-                <a:solidFill>
-                  <a:schemeClr val="bg1"/>
-                </a:solidFill>
-              </a:rPr>
-              <a:t>D0-D7</a:t>
-            </a:r>
-          </a:p>
-        </p:txBody>
-      </p:sp>
-      <p:sp>
-        <p:nvSpPr>
-          <p:cNvPr id="12" name="Rectangle 11"/>
+              <a:rPr lang="en-CA" dirty="0" smtClean="0"/>
+              <a:t>Modified</a:t>
+            </a:r>
+          </a:p>
+          <a:p>
+            <a:pPr algn="ctr"/>
+            <a:r>
+              <a:rPr lang="en-CA" dirty="0" smtClean="0"/>
+              <a:t>Video_vicii_656x</a:t>
+            </a:r>
+          </a:p>
+          <a:p>
+            <a:pPr algn="ctr"/>
+            <a:r>
+              <a:rPr lang="en-CA" dirty="0" smtClean="0"/>
+              <a:t>From FPGA64</a:t>
+            </a:r>
+            <a:endParaRPr lang="en-CA" dirty="0"/>
+          </a:p>
+        </p:txBody>
+      </p:sp>
+      <p:sp>
+        <p:nvSpPr>
+          <p:cNvPr id="4" name="Rectangle 3"/>
           <p:cNvSpPr/>
           <p:nvPr/>
         </p:nvSpPr>
         <p:spPr>
           <a:xfrm>
-            <a:off x="2256246" y="2444783"/>
-            <a:ext cx="360040" cy="544126"/>
+            <a:off x="4932040" y="2623553"/>
+            <a:ext cx="1163782" cy="2257826"/>
           </a:xfrm>
           <a:prstGeom prst="rect">
             <a:avLst/>
@@ -3369,112 +3235,23 @@
           <a:p>
             <a:pPr algn="ctr"/>
             <a:r>
-              <a:rPr lang="en-CA" sz="900" dirty="0" smtClean="0"/>
-              <a:t>LCX245</a:t>
-            </a:r>
-            <a:endParaRPr lang="en-CA" sz="900" dirty="0"/>
-          </a:p>
-        </p:txBody>
-      </p:sp>
-      <p:cxnSp>
-        <p:nvCxnSpPr>
-          <p:cNvPr id="14" name="Straight Arrow Connector 13"/>
-          <p:cNvCxnSpPr>
-            <a:endCxn id="12" idx="3"/>
-          </p:cNvCxnSpPr>
-          <p:nvPr/>
-        </p:nvCxnSpPr>
-        <p:spPr>
-          <a:xfrm flipH="1">
-            <a:off x="2616286" y="2716846"/>
-            <a:ext cx="599740" cy="0"/>
-          </a:xfrm>
-          <a:prstGeom prst="straightConnector1">
-            <a:avLst/>
-          </a:prstGeom>
-          <a:ln>
-            <a:headEnd type="arrow"/>
-            <a:tailEnd type="arrow"/>
-          </a:ln>
-        </p:spPr>
-        <p:style>
-          <a:lnRef idx="1">
-            <a:schemeClr val="accent1"/>
-          </a:lnRef>
-          <a:fillRef idx="0">
-            <a:schemeClr val="accent1"/>
-          </a:fillRef>
-          <a:effectRef idx="0">
-            <a:schemeClr val="accent1"/>
-          </a:effectRef>
-          <a:fontRef idx="minor">
-            <a:schemeClr val="tx1"/>
-          </a:fontRef>
-        </p:style>
-      </p:cxnSp>
-      <p:sp>
-        <p:nvSpPr>
-          <p:cNvPr id="15" name="TextBox 14"/>
-          <p:cNvSpPr txBox="1"/>
-          <p:nvPr/>
-        </p:nvSpPr>
-        <p:spPr>
-          <a:xfrm>
-            <a:off x="3241653" y="3776210"/>
-            <a:ext cx="609462" cy="553998"/>
-          </a:xfrm>
-          <a:prstGeom prst="rect">
-            <a:avLst/>
-          </a:prstGeom>
-          <a:noFill/>
-        </p:spPr>
-        <p:txBody>
-          <a:bodyPr wrap="none" rtlCol="0">
-            <a:spAutoFit/>
-          </a:bodyPr>
-          <a:lstStyle/>
-          <a:p>
-            <a:r>
-              <a:rPr lang="en-CA" sz="1000" dirty="0" smtClean="0">
-                <a:solidFill>
-                  <a:schemeClr val="bg1"/>
-                </a:solidFill>
-              </a:rPr>
-              <a:t>D8-D11</a:t>
-            </a:r>
-          </a:p>
-          <a:p>
-            <a:r>
-              <a:rPr lang="en-CA" sz="1000" dirty="0" smtClean="0">
-                <a:solidFill>
-                  <a:schemeClr val="bg1"/>
-                </a:solidFill>
-              </a:rPr>
-              <a:t>CS,R/W,</a:t>
-            </a:r>
-          </a:p>
-          <a:p>
-            <a:r>
-              <a:rPr lang="en-CA" sz="1000" dirty="0" smtClean="0">
-                <a:solidFill>
-                  <a:schemeClr val="bg1"/>
-                </a:solidFill>
-              </a:rPr>
-              <a:t>LP</a:t>
-            </a:r>
-          </a:p>
-        </p:txBody>
-      </p:sp>
-      <p:sp>
-        <p:nvSpPr>
-          <p:cNvPr id="16" name="Rectangle 15"/>
+              <a:rPr lang="en-CA" dirty="0" smtClean="0"/>
+              <a:t>Scan Rate Converter</a:t>
+            </a:r>
+            <a:endParaRPr lang="en-CA" dirty="0"/>
+          </a:p>
+        </p:txBody>
+      </p:sp>
+      <p:sp>
+        <p:nvSpPr>
+          <p:cNvPr id="5" name="Rectangle 4"/>
           <p:cNvSpPr/>
           <p:nvPr/>
         </p:nvSpPr>
         <p:spPr>
           <a:xfrm>
-            <a:off x="2250165" y="3717032"/>
-            <a:ext cx="360040" cy="544126"/>
+            <a:off x="2195736" y="1255401"/>
+            <a:ext cx="1296144" cy="914400"/>
           </a:xfrm>
           <a:prstGeom prst="rect">
             <a:avLst/>
@@ -3502,111 +3279,23 @@
           <a:p>
             <a:pPr algn="ctr"/>
             <a:r>
-              <a:rPr lang="en-CA" sz="900" dirty="0" smtClean="0"/>
-              <a:t>LCX245</a:t>
-            </a:r>
-            <a:endParaRPr lang="en-CA" sz="900" dirty="0"/>
-          </a:p>
-        </p:txBody>
-      </p:sp>
-      <p:cxnSp>
-        <p:nvCxnSpPr>
-          <p:cNvPr id="18" name="Straight Arrow Connector 17"/>
-          <p:cNvCxnSpPr>
-            <a:stCxn id="16" idx="3"/>
-          </p:cNvCxnSpPr>
-          <p:nvPr/>
-        </p:nvCxnSpPr>
-        <p:spPr>
-          <a:xfrm>
-            <a:off x="2610205" y="3989095"/>
-            <a:ext cx="599740" cy="0"/>
-          </a:xfrm>
-          <a:prstGeom prst="straightConnector1">
-            <a:avLst/>
-          </a:prstGeom>
-          <a:ln>
-            <a:tailEnd type="arrow"/>
-          </a:ln>
-        </p:spPr>
-        <p:style>
-          <a:lnRef idx="1">
-            <a:schemeClr val="accent1"/>
-          </a:lnRef>
-          <a:fillRef idx="0">
-            <a:schemeClr val="accent1"/>
-          </a:fillRef>
-          <a:effectRef idx="0">
-            <a:schemeClr val="accent1"/>
-          </a:effectRef>
-          <a:fontRef idx="minor">
-            <a:schemeClr val="tx1"/>
-          </a:fontRef>
-        </p:style>
-      </p:cxnSp>
-      <p:sp>
-        <p:nvSpPr>
-          <p:cNvPr id="19" name="TextBox 18"/>
-          <p:cNvSpPr txBox="1"/>
-          <p:nvPr/>
-        </p:nvSpPr>
-        <p:spPr>
-          <a:xfrm>
-            <a:off x="3247734" y="4916826"/>
-            <a:ext cx="1029449" cy="553998"/>
-          </a:xfrm>
-          <a:prstGeom prst="rect">
-            <a:avLst/>
-          </a:prstGeom>
-          <a:noFill/>
-        </p:spPr>
-        <p:txBody>
-          <a:bodyPr wrap="none" rtlCol="0">
-            <a:spAutoFit/>
-          </a:bodyPr>
-          <a:lstStyle/>
-          <a:p>
-            <a:r>
-              <a:rPr lang="en-CA" sz="1000" dirty="0" smtClean="0">
-                <a:solidFill>
-                  <a:schemeClr val="bg1"/>
-                </a:solidFill>
-              </a:rPr>
-              <a:t>00,RAS,CAS,</a:t>
-            </a:r>
-          </a:p>
-          <a:p>
-            <a:r>
-              <a:rPr lang="en-CA" sz="1000" dirty="0" smtClean="0">
-                <a:solidFill>
-                  <a:schemeClr val="bg1"/>
-                </a:solidFill>
-              </a:rPr>
-              <a:t>BA,IRQ,DOTCLK,</a:t>
-            </a:r>
-          </a:p>
-          <a:p>
-            <a:r>
-              <a:rPr lang="en-CA" sz="1000" dirty="0" smtClean="0">
-                <a:solidFill>
-                  <a:schemeClr val="bg1"/>
-                </a:solidFill>
-              </a:rPr>
-              <a:t>AEC</a:t>
-            </a:r>
-          </a:p>
-        </p:txBody>
-      </p:sp>
-      <p:sp>
-        <p:nvSpPr>
-          <p:cNvPr id="20" name="Rectangle 19"/>
+              <a:rPr lang="en-CA" sz="1400" dirty="0" smtClean="0"/>
+              <a:t>Clock Generator</a:t>
+            </a:r>
+            <a:endParaRPr lang="en-CA" sz="1400" dirty="0"/>
+          </a:p>
+        </p:txBody>
+      </p:sp>
+      <p:sp>
+        <p:nvSpPr>
+          <p:cNvPr id="6" name="Rectangle 5"/>
           <p:cNvSpPr/>
           <p:nvPr/>
         </p:nvSpPr>
         <p:spPr>
           <a:xfrm>
-            <a:off x="2256246" y="4941168"/>
-            <a:ext cx="360040" cy="544126"/>
+            <a:off x="4865859" y="1212388"/>
+            <a:ext cx="1296144" cy="914400"/>
           </a:xfrm>
           <a:prstGeom prst="rect">
             <a:avLst/>
@@ -3634,215 +3323,23 @@
           <a:p>
             <a:pPr algn="ctr"/>
             <a:r>
-              <a:rPr lang="en-CA" sz="900" dirty="0" smtClean="0"/>
-              <a:t>LCX245</a:t>
-            </a:r>
-            <a:endParaRPr lang="en-CA" sz="900" dirty="0"/>
-          </a:p>
-        </p:txBody>
-      </p:sp>
-      <p:cxnSp>
-        <p:nvCxnSpPr>
-          <p:cNvPr id="22" name="Straight Arrow Connector 21"/>
-          <p:cNvCxnSpPr>
-            <a:endCxn id="20" idx="3"/>
-          </p:cNvCxnSpPr>
-          <p:nvPr/>
-        </p:nvCxnSpPr>
-        <p:spPr>
-          <a:xfrm flipH="1">
-            <a:off x="2616286" y="5213231"/>
-            <a:ext cx="599740" cy="0"/>
-          </a:xfrm>
-          <a:prstGeom prst="straightConnector1">
-            <a:avLst/>
-          </a:prstGeom>
-          <a:ln>
-            <a:tailEnd type="arrow"/>
-          </a:ln>
-        </p:spPr>
-        <p:style>
-          <a:lnRef idx="1">
-            <a:schemeClr val="accent1"/>
-          </a:lnRef>
-          <a:fillRef idx="0">
-            <a:schemeClr val="accent1"/>
-          </a:fillRef>
-          <a:effectRef idx="0">
-            <a:schemeClr val="accent1"/>
-          </a:effectRef>
-          <a:fontRef idx="minor">
-            <a:schemeClr val="tx1"/>
-          </a:fontRef>
-        </p:style>
-      </p:cxnSp>
-      <p:cxnSp>
-        <p:nvCxnSpPr>
-          <p:cNvPr id="25" name="Straight Arrow Connector 24"/>
-          <p:cNvCxnSpPr>
-            <a:endCxn id="12" idx="2"/>
-          </p:cNvCxnSpPr>
-          <p:nvPr/>
-        </p:nvCxnSpPr>
-        <p:spPr>
-          <a:xfrm flipV="1">
-            <a:off x="2436266" y="2988909"/>
-            <a:ext cx="0" cy="224067"/>
-          </a:xfrm>
-          <a:prstGeom prst="straightConnector1">
-            <a:avLst/>
-          </a:prstGeom>
-          <a:ln>
-            <a:tailEnd type="arrow"/>
-          </a:ln>
-        </p:spPr>
-        <p:style>
-          <a:lnRef idx="1">
-            <a:schemeClr val="accent1"/>
-          </a:lnRef>
-          <a:fillRef idx="0">
-            <a:schemeClr val="accent1"/>
-          </a:fillRef>
-          <a:effectRef idx="0">
-            <a:schemeClr val="accent1"/>
-          </a:effectRef>
-          <a:fontRef idx="minor">
-            <a:schemeClr val="tx1"/>
-          </a:fontRef>
-        </p:style>
-      </p:cxnSp>
-      <p:cxnSp>
-        <p:nvCxnSpPr>
-          <p:cNvPr id="27" name="Straight Connector 26"/>
-          <p:cNvCxnSpPr/>
-          <p:nvPr/>
-        </p:nvCxnSpPr>
-        <p:spPr>
-          <a:xfrm flipH="1">
-            <a:off x="1822722" y="3212976"/>
-            <a:ext cx="613544" cy="0"/>
-          </a:xfrm>
-          <a:prstGeom prst="line">
-            <a:avLst/>
-          </a:prstGeom>
-        </p:spPr>
-        <p:style>
-          <a:lnRef idx="1">
-            <a:schemeClr val="accent1"/>
-          </a:lnRef>
-          <a:fillRef idx="0">
-            <a:schemeClr val="accent1"/>
-          </a:fillRef>
-          <a:effectRef idx="0">
-            <a:schemeClr val="accent1"/>
-          </a:effectRef>
-          <a:fontRef idx="minor">
-            <a:schemeClr val="tx1"/>
-          </a:fontRef>
-        </p:style>
-      </p:cxnSp>
-      <p:cxnSp>
-        <p:nvCxnSpPr>
-          <p:cNvPr id="29" name="Straight Connector 28"/>
-          <p:cNvCxnSpPr/>
-          <p:nvPr/>
-        </p:nvCxnSpPr>
-        <p:spPr>
-          <a:xfrm>
-            <a:off x="1822722" y="3212976"/>
-            <a:ext cx="0" cy="776119"/>
-          </a:xfrm>
-          <a:prstGeom prst="line">
-            <a:avLst/>
-          </a:prstGeom>
-        </p:spPr>
-        <p:style>
-          <a:lnRef idx="1">
-            <a:schemeClr val="accent1"/>
-          </a:lnRef>
-          <a:fillRef idx="0">
-            <a:schemeClr val="accent1"/>
-          </a:fillRef>
-          <a:effectRef idx="0">
-            <a:schemeClr val="accent1"/>
-          </a:effectRef>
-          <a:fontRef idx="minor">
-            <a:schemeClr val="tx1"/>
-          </a:fontRef>
-        </p:style>
-      </p:cxnSp>
-      <p:cxnSp>
-        <p:nvCxnSpPr>
-          <p:cNvPr id="31" name="Straight Connector 30"/>
-          <p:cNvCxnSpPr>
-            <a:endCxn id="16" idx="1"/>
-          </p:cNvCxnSpPr>
-          <p:nvPr/>
-        </p:nvCxnSpPr>
-        <p:spPr>
-          <a:xfrm>
-            <a:off x="1547664" y="3989095"/>
-            <a:ext cx="702501" cy="0"/>
-          </a:xfrm>
-          <a:prstGeom prst="line">
-            <a:avLst/>
-          </a:prstGeom>
-        </p:spPr>
-        <p:style>
-          <a:lnRef idx="1">
-            <a:schemeClr val="accent1"/>
-          </a:lnRef>
-          <a:fillRef idx="0">
-            <a:schemeClr val="accent1"/>
-          </a:fillRef>
-          <a:effectRef idx="0">
-            <a:schemeClr val="accent1"/>
-          </a:effectRef>
-          <a:fontRef idx="minor">
-            <a:schemeClr val="tx1"/>
-          </a:fontRef>
-        </p:style>
-      </p:cxnSp>
-      <p:sp>
-        <p:nvSpPr>
-          <p:cNvPr id="32" name="TextBox 31"/>
-          <p:cNvSpPr txBox="1"/>
-          <p:nvPr/>
-        </p:nvSpPr>
-        <p:spPr>
-          <a:xfrm>
-            <a:off x="1822722" y="3009077"/>
-            <a:ext cx="372218" cy="215444"/>
-          </a:xfrm>
-          <a:prstGeom prst="rect">
-            <a:avLst/>
-          </a:prstGeom>
-          <a:noFill/>
-        </p:spPr>
-        <p:txBody>
-          <a:bodyPr wrap="none" rtlCol="0">
-            <a:spAutoFit/>
-          </a:bodyPr>
-          <a:lstStyle/>
-          <a:p>
-            <a:r>
-              <a:rPr lang="en-CA" sz="800" dirty="0" smtClean="0"/>
-              <a:t>R/W</a:t>
-            </a:r>
-            <a:endParaRPr lang="en-CA" sz="800" dirty="0"/>
-          </a:p>
-        </p:txBody>
-      </p:sp>
-      <p:sp>
-        <p:nvSpPr>
-          <p:cNvPr id="34" name="Rectangle 33"/>
+              <a:rPr lang="en-CA" sz="1400" dirty="0" smtClean="0"/>
+              <a:t>VGA Timing Generator</a:t>
+            </a:r>
+            <a:endParaRPr lang="en-CA" sz="1400" dirty="0"/>
+          </a:p>
+        </p:txBody>
+      </p:sp>
+      <p:sp>
+        <p:nvSpPr>
+          <p:cNvPr id="7" name="Rectangle 6"/>
           <p:cNvSpPr/>
           <p:nvPr/>
         </p:nvSpPr>
         <p:spPr>
           <a:xfrm>
-            <a:off x="6156176" y="1253665"/>
-            <a:ext cx="432048" cy="432048"/>
+            <a:off x="6444208" y="3440793"/>
+            <a:ext cx="1296144" cy="914400"/>
           </a:xfrm>
           <a:prstGeom prst="rect">
             <a:avLst/>
@@ -3870,467 +3367,17 @@
           <a:p>
             <a:pPr algn="ctr"/>
             <a:r>
-              <a:rPr lang="en-CA" sz="1000" dirty="0" smtClean="0"/>
-              <a:t>100 MHz</a:t>
-            </a:r>
-            <a:endParaRPr lang="en-CA" sz="1000" dirty="0"/>
-          </a:p>
-        </p:txBody>
-      </p:sp>
-      <p:cxnSp>
-        <p:nvCxnSpPr>
-          <p:cNvPr id="36" name="Straight Arrow Connector 35"/>
-          <p:cNvCxnSpPr>
-            <a:stCxn id="34" idx="1"/>
-          </p:cNvCxnSpPr>
-          <p:nvPr/>
-        </p:nvCxnSpPr>
-        <p:spPr>
-          <a:xfrm flipH="1">
-            <a:off x="5351114" y="1469689"/>
-            <a:ext cx="805062" cy="0"/>
-          </a:xfrm>
-          <a:prstGeom prst="straightConnector1">
-            <a:avLst/>
-          </a:prstGeom>
-          <a:ln>
-            <a:tailEnd type="arrow"/>
-          </a:ln>
-        </p:spPr>
-        <p:style>
-          <a:lnRef idx="1">
-            <a:schemeClr val="accent1"/>
-          </a:lnRef>
-          <a:fillRef idx="0">
-            <a:schemeClr val="accent1"/>
-          </a:fillRef>
-          <a:effectRef idx="0">
-            <a:schemeClr val="accent1"/>
-          </a:effectRef>
-          <a:fontRef idx="minor">
-            <a:schemeClr val="tx1"/>
-          </a:fontRef>
-        </p:style>
-      </p:cxnSp>
-      <p:cxnSp>
-        <p:nvCxnSpPr>
-          <p:cNvPr id="38" name="Straight Arrow Connector 37"/>
-          <p:cNvCxnSpPr>
-            <a:endCxn id="7" idx="2"/>
-          </p:cNvCxnSpPr>
-          <p:nvPr/>
-        </p:nvCxnSpPr>
-        <p:spPr>
-          <a:xfrm flipV="1">
-            <a:off x="2436266" y="1812886"/>
-            <a:ext cx="0" cy="175954"/>
-          </a:xfrm>
-          <a:prstGeom prst="straightConnector1">
-            <a:avLst/>
-          </a:prstGeom>
-          <a:ln>
-            <a:tailEnd type="arrow"/>
-          </a:ln>
-        </p:spPr>
-        <p:style>
-          <a:lnRef idx="1">
-            <a:schemeClr val="accent1"/>
-          </a:lnRef>
-          <a:fillRef idx="0">
-            <a:schemeClr val="accent1"/>
-          </a:fillRef>
-          <a:effectRef idx="0">
-            <a:schemeClr val="accent1"/>
-          </a:effectRef>
-          <a:fontRef idx="minor">
-            <a:schemeClr val="tx1"/>
-          </a:fontRef>
-        </p:style>
-      </p:cxnSp>
-      <p:sp>
-        <p:nvSpPr>
-          <p:cNvPr id="39" name="TextBox 38"/>
-          <p:cNvSpPr txBox="1"/>
-          <p:nvPr/>
-        </p:nvSpPr>
-        <p:spPr>
-          <a:xfrm>
-            <a:off x="2250165" y="1974512"/>
-            <a:ext cx="348172" cy="215444"/>
-          </a:xfrm>
-          <a:prstGeom prst="rect">
-            <a:avLst/>
-          </a:prstGeom>
-          <a:noFill/>
-        </p:spPr>
-        <p:txBody>
-          <a:bodyPr wrap="none" rtlCol="0">
-            <a:spAutoFit/>
-          </a:bodyPr>
-          <a:lstStyle/>
-          <a:p>
-            <a:r>
-              <a:rPr lang="en-CA" sz="800" dirty="0" smtClean="0"/>
-              <a:t>AEC</a:t>
-            </a:r>
-            <a:endParaRPr lang="en-CA" sz="800" dirty="0"/>
-          </a:p>
-        </p:txBody>
-      </p:sp>
-      <p:sp>
-        <p:nvSpPr>
-          <p:cNvPr id="40" name="Snip Same Side Corner Rectangle 39"/>
-          <p:cNvSpPr/>
-          <p:nvPr/>
-        </p:nvSpPr>
-        <p:spPr>
-          <a:xfrm>
-            <a:off x="6033431" y="2104878"/>
-            <a:ext cx="720080" cy="518401"/>
-          </a:xfrm>
-          <a:prstGeom prst="snip2SameRect">
-            <a:avLst/>
-          </a:prstGeom>
-          <a:scene3d>
-            <a:camera prst="orthographicFront">
-              <a:rot lat="0" lon="0" rev="16200000"/>
-            </a:camera>
-            <a:lightRig rig="threePt" dir="t"/>
-          </a:scene3d>
-        </p:spPr>
-        <p:style>
-          <a:lnRef idx="2">
-            <a:schemeClr val="accent1">
-              <a:shade val="50000"/>
-            </a:schemeClr>
-          </a:lnRef>
-          <a:fillRef idx="1">
-            <a:schemeClr val="accent1"/>
-          </a:fillRef>
-          <a:effectRef idx="0">
-            <a:schemeClr val="accent1"/>
-          </a:effectRef>
-          <a:fontRef idx="minor">
-            <a:schemeClr val="lt1"/>
-          </a:fontRef>
-        </p:style>
-        <p:txBody>
-          <a:bodyPr rtlCol="0" anchor="ctr"/>
-          <a:lstStyle/>
-          <a:p>
-            <a:pPr algn="ctr"/>
-            <a:endParaRPr lang="en-CA"/>
-          </a:p>
-        </p:txBody>
-      </p:sp>
-      <p:cxnSp>
-        <p:nvCxnSpPr>
-          <p:cNvPr id="42" name="Straight Arrow Connector 41"/>
-          <p:cNvCxnSpPr/>
-          <p:nvPr/>
-        </p:nvCxnSpPr>
-        <p:spPr>
-          <a:xfrm>
-            <a:off x="5351114" y="2333169"/>
-            <a:ext cx="798575" cy="0"/>
-          </a:xfrm>
-          <a:prstGeom prst="straightConnector1">
-            <a:avLst/>
-          </a:prstGeom>
-          <a:ln>
-            <a:tailEnd type="arrow"/>
-          </a:ln>
-        </p:spPr>
-        <p:style>
-          <a:lnRef idx="1">
-            <a:schemeClr val="accent1"/>
-          </a:lnRef>
-          <a:fillRef idx="0">
-            <a:schemeClr val="accent1"/>
-          </a:fillRef>
-          <a:effectRef idx="0">
-            <a:schemeClr val="accent1"/>
-          </a:effectRef>
-          <a:fontRef idx="minor">
-            <a:schemeClr val="tx1"/>
-          </a:fontRef>
-        </p:style>
-      </p:cxnSp>
-      <p:sp>
-        <p:nvSpPr>
-          <p:cNvPr id="44" name="TextBox 43"/>
-          <p:cNvSpPr txBox="1"/>
-          <p:nvPr/>
-        </p:nvSpPr>
-        <p:spPr>
-          <a:xfrm>
-            <a:off x="6739695" y="2189956"/>
-            <a:ext cx="592213" cy="369332"/>
-          </a:xfrm>
-          <a:prstGeom prst="rect">
-            <a:avLst/>
-          </a:prstGeom>
-          <a:noFill/>
-        </p:spPr>
-        <p:txBody>
-          <a:bodyPr wrap="none" rtlCol="0">
-            <a:spAutoFit/>
-          </a:bodyPr>
-          <a:lstStyle/>
-          <a:p>
-            <a:r>
-              <a:rPr lang="en-CA" dirty="0" smtClean="0"/>
-              <a:t>VGA</a:t>
-            </a:r>
-            <a:endParaRPr lang="en-CA" dirty="0"/>
-          </a:p>
-        </p:txBody>
-      </p:sp>
-      <p:sp>
-        <p:nvSpPr>
-          <p:cNvPr id="46" name="TextBox 45"/>
-          <p:cNvSpPr txBox="1"/>
-          <p:nvPr/>
-        </p:nvSpPr>
-        <p:spPr>
-          <a:xfrm>
-            <a:off x="5410440" y="1997156"/>
-            <a:ext cx="644728" cy="338554"/>
-          </a:xfrm>
-          <a:prstGeom prst="rect">
-            <a:avLst/>
-          </a:prstGeom>
-          <a:noFill/>
-        </p:spPr>
-        <p:txBody>
-          <a:bodyPr wrap="none" rtlCol="0">
-            <a:spAutoFit/>
-          </a:bodyPr>
-          <a:lstStyle/>
-          <a:p>
-            <a:r>
-              <a:rPr lang="en-CA" sz="800" dirty="0" smtClean="0"/>
-              <a:t>12 –bit</a:t>
-            </a:r>
-          </a:p>
-          <a:p>
-            <a:r>
-              <a:rPr lang="en-CA" sz="800" dirty="0" smtClean="0"/>
-              <a:t>4,4,4 RDAC</a:t>
-            </a:r>
-            <a:endParaRPr lang="en-CA" sz="800" dirty="0"/>
-          </a:p>
-        </p:txBody>
-      </p:sp>
-      <p:sp>
-        <p:nvSpPr>
-          <p:cNvPr id="47" name="TextBox 46"/>
-          <p:cNvSpPr txBox="1"/>
-          <p:nvPr/>
-        </p:nvSpPr>
-        <p:spPr>
-          <a:xfrm>
-            <a:off x="1884028" y="4261158"/>
-            <a:ext cx="763351" cy="215444"/>
-          </a:xfrm>
-          <a:prstGeom prst="rect">
-            <a:avLst/>
-          </a:prstGeom>
-          <a:noFill/>
-        </p:spPr>
-        <p:txBody>
-          <a:bodyPr wrap="none" rtlCol="0">
-            <a:spAutoFit/>
-          </a:bodyPr>
-          <a:lstStyle/>
-          <a:p>
-            <a:r>
-              <a:rPr lang="en-CA" sz="800" dirty="0" smtClean="0"/>
-              <a:t>Always Inputs</a:t>
-            </a:r>
-            <a:endParaRPr lang="en-CA" sz="800" dirty="0"/>
-          </a:p>
-        </p:txBody>
-      </p:sp>
-      <p:sp>
-        <p:nvSpPr>
-          <p:cNvPr id="48" name="TextBox 47"/>
-          <p:cNvSpPr txBox="1"/>
-          <p:nvPr/>
-        </p:nvSpPr>
-        <p:spPr>
-          <a:xfrm>
-            <a:off x="1877586" y="5520602"/>
-            <a:ext cx="838691" cy="215444"/>
-          </a:xfrm>
-          <a:prstGeom prst="rect">
-            <a:avLst/>
-          </a:prstGeom>
-          <a:noFill/>
-        </p:spPr>
-        <p:txBody>
-          <a:bodyPr wrap="none" rtlCol="0">
-            <a:spAutoFit/>
-          </a:bodyPr>
-          <a:lstStyle/>
-          <a:p>
-            <a:r>
-              <a:rPr lang="en-CA" sz="800" dirty="0" smtClean="0"/>
-              <a:t>Always Outputs</a:t>
-            </a:r>
-            <a:endParaRPr lang="en-CA" sz="800" dirty="0"/>
-          </a:p>
-        </p:txBody>
-      </p:sp>
-      <p:sp>
-        <p:nvSpPr>
-          <p:cNvPr id="49" name="TextBox 48"/>
-          <p:cNvSpPr txBox="1"/>
-          <p:nvPr/>
-        </p:nvSpPr>
-        <p:spPr>
-          <a:xfrm>
-            <a:off x="3216026" y="5805264"/>
-            <a:ext cx="500458" cy="246221"/>
-          </a:xfrm>
-          <a:prstGeom prst="rect">
-            <a:avLst/>
-          </a:prstGeom>
-          <a:noFill/>
-        </p:spPr>
-        <p:txBody>
-          <a:bodyPr wrap="none" rtlCol="0">
-            <a:spAutoFit/>
-          </a:bodyPr>
-          <a:lstStyle/>
-          <a:p>
-            <a:r>
-              <a:rPr lang="en-CA" sz="1000" dirty="0" smtClean="0">
-                <a:solidFill>
-                  <a:schemeClr val="bg1"/>
-                </a:solidFill>
-              </a:rPr>
-              <a:t>RESET</a:t>
-            </a:r>
-          </a:p>
-        </p:txBody>
-      </p:sp>
-      <p:cxnSp>
-        <p:nvCxnSpPr>
-          <p:cNvPr id="51" name="Straight Arrow Connector 50"/>
-          <p:cNvCxnSpPr/>
-          <p:nvPr/>
-        </p:nvCxnSpPr>
-        <p:spPr>
-          <a:xfrm flipH="1">
-            <a:off x="2716277" y="5928374"/>
-            <a:ext cx="493668" cy="0"/>
-          </a:xfrm>
-          <a:prstGeom prst="straightConnector1">
-            <a:avLst/>
-          </a:prstGeom>
-          <a:ln>
-            <a:tailEnd type="arrow"/>
-          </a:ln>
-        </p:spPr>
-        <p:style>
-          <a:lnRef idx="1">
-            <a:schemeClr val="accent1"/>
-          </a:lnRef>
-          <a:fillRef idx="0">
-            <a:schemeClr val="accent1"/>
-          </a:fillRef>
-          <a:effectRef idx="0">
-            <a:schemeClr val="accent1"/>
-          </a:effectRef>
-          <a:fontRef idx="minor">
-            <a:schemeClr val="tx1"/>
-          </a:fontRef>
-        </p:style>
-      </p:cxnSp>
-      <p:sp>
-        <p:nvSpPr>
-          <p:cNvPr id="3" name="Rectangle 2"/>
-          <p:cNvSpPr/>
-          <p:nvPr/>
-        </p:nvSpPr>
-        <p:spPr>
-          <a:xfrm>
-            <a:off x="6156176" y="3501008"/>
-            <a:ext cx="914400" cy="914400"/>
-          </a:xfrm>
-          <a:prstGeom prst="rect">
-            <a:avLst/>
-          </a:prstGeom>
-        </p:spPr>
-        <p:style>
-          <a:lnRef idx="2">
-            <a:schemeClr val="accent1">
-              <a:shade val="50000"/>
-            </a:schemeClr>
-          </a:lnRef>
-          <a:fillRef idx="1">
-            <a:schemeClr val="accent1"/>
-          </a:fillRef>
-          <a:effectRef idx="0">
-            <a:schemeClr val="accent1"/>
-          </a:effectRef>
-          <a:fontRef idx="minor">
-            <a:schemeClr val="lt1"/>
-          </a:fontRef>
-        </p:style>
-        <p:txBody>
-          <a:bodyPr rtlCol="0" anchor="ctr"/>
-          <a:lstStyle/>
-          <a:p>
-            <a:pPr algn="ctr"/>
-            <a:r>
-              <a:rPr lang="en-CA" dirty="0" smtClean="0"/>
-              <a:t>Flash</a:t>
-            </a:r>
-            <a:endParaRPr lang="en-CA" dirty="0"/>
-          </a:p>
-        </p:txBody>
-      </p:sp>
-      <p:cxnSp>
-        <p:nvCxnSpPr>
-          <p:cNvPr id="8" name="Straight Arrow Connector 7"/>
-          <p:cNvCxnSpPr>
-            <a:stCxn id="3" idx="1"/>
-          </p:cNvCxnSpPr>
-          <p:nvPr/>
-        </p:nvCxnSpPr>
-        <p:spPr>
-          <a:xfrm flipH="1">
-            <a:off x="5410440" y="3958208"/>
-            <a:ext cx="745736" cy="0"/>
-          </a:xfrm>
-          <a:prstGeom prst="straightConnector1">
-            <a:avLst/>
-          </a:prstGeom>
-          <a:ln>
-            <a:tailEnd type="arrow"/>
-          </a:ln>
-        </p:spPr>
-        <p:style>
-          <a:lnRef idx="1">
-            <a:schemeClr val="accent1"/>
-          </a:lnRef>
-          <a:fillRef idx="0">
-            <a:schemeClr val="accent1"/>
-          </a:fillRef>
-          <a:effectRef idx="0">
-            <a:schemeClr val="accent1"/>
-          </a:effectRef>
-          <a:fontRef idx="minor">
-            <a:schemeClr val="tx1"/>
-          </a:fontRef>
-        </p:style>
-      </p:cxnSp>
+              <a:rPr lang="en-CA" sz="1400" dirty="0" smtClean="0"/>
+              <a:t>Color Lookup ROM</a:t>
+            </a:r>
+            <a:endParaRPr lang="en-CA" sz="1400" dirty="0"/>
+          </a:p>
+        </p:txBody>
+      </p:sp>
     </p:spTree>
     <p:extLst>
       <p:ext uri="{BB962C8B-B14F-4D97-AF65-F5344CB8AC3E}">
-        <p14:creationId xmlns:p14="http://schemas.microsoft.com/office/powerpoint/2010/main" val="1415851666"/>
+        <p14:creationId xmlns:p14="http://schemas.microsoft.com/office/powerpoint/2010/main" val="296083173"/>
       </p:ext>
     </p:extLst>
   </p:cSld>
@@ -4359,14 +3406,45 @@
       </p:grpSpPr>
       <p:sp>
         <p:nvSpPr>
-          <p:cNvPr id="4" name="Rectangle 3"/>
+          <p:cNvPr id="2" name="Title 1"/>
+          <p:cNvSpPr>
+            <a:spLocks noGrp="1"/>
+          </p:cNvSpPr>
+          <p:nvPr>
+            <p:ph type="ctrTitle"/>
+          </p:nvPr>
+        </p:nvSpPr>
+        <p:spPr>
+          <a:xfrm>
+            <a:off x="683568" y="260649"/>
+            <a:ext cx="7772400" cy="432048"/>
+          </a:xfrm>
+        </p:spPr>
+        <p:txBody>
+          <a:bodyPr>
+            <a:normAutofit fontScale="90000"/>
+          </a:bodyPr>
+          <a:lstStyle/>
+          <a:p>
+            <a:pPr algn="l"/>
+            <a:r>
+              <a:rPr lang="en-CA" dirty="0" smtClean="0"/>
+              <a:t>FAL6567</a:t>
+            </a:r>
+            <a:endParaRPr lang="en-CA" dirty="0"/>
+          </a:p>
+        </p:txBody>
+      </p:sp>
+      <p:sp>
+        <p:nvSpPr>
+          <p:cNvPr id="5" name="Rectangle 4"/>
           <p:cNvSpPr/>
           <p:nvPr/>
         </p:nvSpPr>
         <p:spPr>
           <a:xfrm>
-            <a:off x="971600" y="1628800"/>
-            <a:ext cx="1274440" cy="4176464"/>
+            <a:off x="3216026" y="1268760"/>
+            <a:ext cx="2135088" cy="4896544"/>
           </a:xfrm>
           <a:prstGeom prst="rect">
             <a:avLst/>
@@ -4395,41 +3473,122 @@
             <a:pPr algn="ctr"/>
             <a:r>
               <a:rPr lang="en-CA" dirty="0" smtClean="0"/>
-              <a:t>40 pin</a:t>
-            </a:r>
-          </a:p>
+              <a:t>FPGA</a:t>
+            </a:r>
+            <a:endParaRPr lang="en-CA" dirty="0"/>
+          </a:p>
+        </p:txBody>
+      </p:sp>
+      <p:sp>
+        <p:nvSpPr>
+          <p:cNvPr id="6" name="TextBox 5"/>
+          <p:cNvSpPr txBox="1"/>
+          <p:nvPr/>
+        </p:nvSpPr>
+        <p:spPr>
+          <a:xfrm>
+            <a:off x="3216026" y="1412776"/>
+            <a:ext cx="567784" cy="400110"/>
+          </a:xfrm>
+          <a:prstGeom prst="rect">
+            <a:avLst/>
+          </a:prstGeom>
+          <a:noFill/>
+        </p:spPr>
+        <p:txBody>
+          <a:bodyPr wrap="none" rtlCol="0">
+            <a:spAutoFit/>
+          </a:bodyPr>
+          <a:lstStyle/>
+          <a:p>
+            <a:r>
+              <a:rPr lang="en-CA" sz="1000" dirty="0" smtClean="0">
+                <a:solidFill>
+                  <a:schemeClr val="bg1"/>
+                </a:solidFill>
+              </a:rPr>
+              <a:t>A0-A7</a:t>
+            </a:r>
+          </a:p>
+          <a:p>
+            <a:r>
+              <a:rPr lang="en-CA" sz="1000" dirty="0" smtClean="0">
+                <a:solidFill>
+                  <a:schemeClr val="bg1"/>
+                </a:solidFill>
+              </a:rPr>
+              <a:t>A8-A15</a:t>
+            </a:r>
+            <a:endParaRPr lang="en-CA" sz="1000" dirty="0">
+              <a:solidFill>
+                <a:schemeClr val="bg1"/>
+              </a:solidFill>
+            </a:endParaRPr>
+          </a:p>
+        </p:txBody>
+      </p:sp>
+      <p:sp>
+        <p:nvSpPr>
+          <p:cNvPr id="7" name="Rectangle 6"/>
+          <p:cNvSpPr/>
+          <p:nvPr/>
+        </p:nvSpPr>
+        <p:spPr>
+          <a:xfrm>
+            <a:off x="2256246" y="1268760"/>
+            <a:ext cx="360040" cy="544126"/>
+          </a:xfrm>
+          <a:prstGeom prst="rect">
+            <a:avLst/>
+          </a:prstGeom>
+        </p:spPr>
+        <p:style>
+          <a:lnRef idx="2">
+            <a:schemeClr val="accent1">
+              <a:shade val="50000"/>
+            </a:schemeClr>
+          </a:lnRef>
+          <a:fillRef idx="1">
+            <a:schemeClr val="accent1"/>
+          </a:fillRef>
+          <a:effectRef idx="0">
+            <a:schemeClr val="accent1"/>
+          </a:effectRef>
+          <a:fontRef idx="minor">
+            <a:schemeClr val="lt1"/>
+          </a:fontRef>
+        </p:style>
+        <p:txBody>
+          <a:bodyPr rtlCol="0" anchor="ctr"/>
+          <a:lstStyle/>
           <a:p>
             <a:pPr algn="ctr"/>
             <a:r>
-              <a:rPr lang="en-CA" dirty="0" smtClean="0"/>
-              <a:t>DIP footprint</a:t>
-            </a:r>
-          </a:p>
-          <a:p>
-            <a:pPr algn="ctr"/>
-            <a:r>
-              <a:rPr lang="en-CA" dirty="0" smtClean="0"/>
-              <a:t>VIC Pinout</a:t>
-            </a:r>
-            <a:endParaRPr lang="en-CA" dirty="0"/>
+              <a:rPr lang="en-CA" sz="900" dirty="0" smtClean="0"/>
+              <a:t>LCX245</a:t>
+            </a:r>
+            <a:endParaRPr lang="en-CA" sz="900" dirty="0"/>
           </a:p>
         </p:txBody>
       </p:sp>
       <p:cxnSp>
         <p:nvCxnSpPr>
-          <p:cNvPr id="6" name="Straight Arrow Connector 5"/>
-          <p:cNvCxnSpPr/>
+          <p:cNvPr id="9" name="Straight Arrow Connector 8"/>
+          <p:cNvCxnSpPr>
+            <a:endCxn id="7" idx="3"/>
+          </p:cNvCxnSpPr>
           <p:nvPr/>
         </p:nvCxnSpPr>
         <p:spPr>
-          <a:xfrm>
-            <a:off x="2246040" y="4365104"/>
-            <a:ext cx="1264642" cy="0"/>
+          <a:xfrm flipH="1">
+            <a:off x="2616286" y="1540823"/>
+            <a:ext cx="599740" cy="0"/>
           </a:xfrm>
           <a:prstGeom prst="straightConnector1">
             <a:avLst/>
           </a:prstGeom>
           <a:ln>
+            <a:headEnd type="arrow"/>
             <a:tailEnd type="arrow"/>
           </a:ln>
         </p:spPr>
@@ -4450,14 +3609,14 @@
       </p:cxnSp>
       <p:sp>
         <p:nvSpPr>
-          <p:cNvPr id="8" name="TextBox 7"/>
+          <p:cNvPr id="11" name="TextBox 10"/>
           <p:cNvSpPr txBox="1"/>
           <p:nvPr/>
         </p:nvSpPr>
         <p:spPr>
           <a:xfrm>
-            <a:off x="5220071" y="5276329"/>
-            <a:ext cx="1029449" cy="707886"/>
+            <a:off x="3247734" y="2592370"/>
+            <a:ext cx="511679" cy="246221"/>
           </a:xfrm>
           <a:prstGeom prst="rect">
             <a:avLst/>
@@ -4471,6 +3630,1155 @@
           <a:lstStyle/>
           <a:p>
             <a:r>
+              <a:rPr lang="en-CA" sz="1000" dirty="0" smtClean="0">
+                <a:solidFill>
+                  <a:schemeClr val="bg1"/>
+                </a:solidFill>
+              </a:rPr>
+              <a:t>D0-D7</a:t>
+            </a:r>
+          </a:p>
+        </p:txBody>
+      </p:sp>
+      <p:sp>
+        <p:nvSpPr>
+          <p:cNvPr id="12" name="Rectangle 11"/>
+          <p:cNvSpPr/>
+          <p:nvPr/>
+        </p:nvSpPr>
+        <p:spPr>
+          <a:xfrm>
+            <a:off x="2256246" y="2444783"/>
+            <a:ext cx="360040" cy="544126"/>
+          </a:xfrm>
+          <a:prstGeom prst="rect">
+            <a:avLst/>
+          </a:prstGeom>
+        </p:spPr>
+        <p:style>
+          <a:lnRef idx="2">
+            <a:schemeClr val="accent1">
+              <a:shade val="50000"/>
+            </a:schemeClr>
+          </a:lnRef>
+          <a:fillRef idx="1">
+            <a:schemeClr val="accent1"/>
+          </a:fillRef>
+          <a:effectRef idx="0">
+            <a:schemeClr val="accent1"/>
+          </a:effectRef>
+          <a:fontRef idx="minor">
+            <a:schemeClr val="lt1"/>
+          </a:fontRef>
+        </p:style>
+        <p:txBody>
+          <a:bodyPr rtlCol="0" anchor="ctr"/>
+          <a:lstStyle/>
+          <a:p>
+            <a:pPr algn="ctr"/>
+            <a:r>
+              <a:rPr lang="en-CA" sz="900" dirty="0" smtClean="0"/>
+              <a:t>LCX245</a:t>
+            </a:r>
+            <a:endParaRPr lang="en-CA" sz="900" dirty="0"/>
+          </a:p>
+        </p:txBody>
+      </p:sp>
+      <p:cxnSp>
+        <p:nvCxnSpPr>
+          <p:cNvPr id="14" name="Straight Arrow Connector 13"/>
+          <p:cNvCxnSpPr>
+            <a:endCxn id="12" idx="3"/>
+          </p:cNvCxnSpPr>
+          <p:nvPr/>
+        </p:nvCxnSpPr>
+        <p:spPr>
+          <a:xfrm flipH="1">
+            <a:off x="2616286" y="2716846"/>
+            <a:ext cx="599740" cy="0"/>
+          </a:xfrm>
+          <a:prstGeom prst="straightConnector1">
+            <a:avLst/>
+          </a:prstGeom>
+          <a:ln>
+            <a:headEnd type="arrow"/>
+            <a:tailEnd type="arrow"/>
+          </a:ln>
+        </p:spPr>
+        <p:style>
+          <a:lnRef idx="1">
+            <a:schemeClr val="accent1"/>
+          </a:lnRef>
+          <a:fillRef idx="0">
+            <a:schemeClr val="accent1"/>
+          </a:fillRef>
+          <a:effectRef idx="0">
+            <a:schemeClr val="accent1"/>
+          </a:effectRef>
+          <a:fontRef idx="minor">
+            <a:schemeClr val="tx1"/>
+          </a:fontRef>
+        </p:style>
+      </p:cxnSp>
+      <p:sp>
+        <p:nvSpPr>
+          <p:cNvPr id="15" name="TextBox 14"/>
+          <p:cNvSpPr txBox="1"/>
+          <p:nvPr/>
+        </p:nvSpPr>
+        <p:spPr>
+          <a:xfrm>
+            <a:off x="3241653" y="3776210"/>
+            <a:ext cx="609462" cy="553998"/>
+          </a:xfrm>
+          <a:prstGeom prst="rect">
+            <a:avLst/>
+          </a:prstGeom>
+          <a:noFill/>
+        </p:spPr>
+        <p:txBody>
+          <a:bodyPr wrap="none" rtlCol="0">
+            <a:spAutoFit/>
+          </a:bodyPr>
+          <a:lstStyle/>
+          <a:p>
+            <a:r>
+              <a:rPr lang="en-CA" sz="1000" dirty="0" smtClean="0">
+                <a:solidFill>
+                  <a:schemeClr val="bg1"/>
+                </a:solidFill>
+              </a:rPr>
+              <a:t>D8-D11</a:t>
+            </a:r>
+          </a:p>
+          <a:p>
+            <a:r>
+              <a:rPr lang="en-CA" sz="1000" dirty="0" smtClean="0">
+                <a:solidFill>
+                  <a:schemeClr val="bg1"/>
+                </a:solidFill>
+              </a:rPr>
+              <a:t>CS,R/W,</a:t>
+            </a:r>
+          </a:p>
+          <a:p>
+            <a:r>
+              <a:rPr lang="en-CA" sz="1000" dirty="0" smtClean="0">
+                <a:solidFill>
+                  <a:schemeClr val="bg1"/>
+                </a:solidFill>
+              </a:rPr>
+              <a:t>LP</a:t>
+            </a:r>
+          </a:p>
+        </p:txBody>
+      </p:sp>
+      <p:sp>
+        <p:nvSpPr>
+          <p:cNvPr id="16" name="Rectangle 15"/>
+          <p:cNvSpPr/>
+          <p:nvPr/>
+        </p:nvSpPr>
+        <p:spPr>
+          <a:xfrm>
+            <a:off x="2250165" y="3717032"/>
+            <a:ext cx="360040" cy="544126"/>
+          </a:xfrm>
+          <a:prstGeom prst="rect">
+            <a:avLst/>
+          </a:prstGeom>
+        </p:spPr>
+        <p:style>
+          <a:lnRef idx="2">
+            <a:schemeClr val="accent1">
+              <a:shade val="50000"/>
+            </a:schemeClr>
+          </a:lnRef>
+          <a:fillRef idx="1">
+            <a:schemeClr val="accent1"/>
+          </a:fillRef>
+          <a:effectRef idx="0">
+            <a:schemeClr val="accent1"/>
+          </a:effectRef>
+          <a:fontRef idx="minor">
+            <a:schemeClr val="lt1"/>
+          </a:fontRef>
+        </p:style>
+        <p:txBody>
+          <a:bodyPr rtlCol="0" anchor="ctr"/>
+          <a:lstStyle/>
+          <a:p>
+            <a:pPr algn="ctr"/>
+            <a:r>
+              <a:rPr lang="en-CA" sz="900" dirty="0" smtClean="0"/>
+              <a:t>LCX245</a:t>
+            </a:r>
+            <a:endParaRPr lang="en-CA" sz="900" dirty="0"/>
+          </a:p>
+        </p:txBody>
+      </p:sp>
+      <p:cxnSp>
+        <p:nvCxnSpPr>
+          <p:cNvPr id="18" name="Straight Arrow Connector 17"/>
+          <p:cNvCxnSpPr>
+            <a:stCxn id="16" idx="3"/>
+          </p:cNvCxnSpPr>
+          <p:nvPr/>
+        </p:nvCxnSpPr>
+        <p:spPr>
+          <a:xfrm>
+            <a:off x="2610205" y="3989095"/>
+            <a:ext cx="599740" cy="0"/>
+          </a:xfrm>
+          <a:prstGeom prst="straightConnector1">
+            <a:avLst/>
+          </a:prstGeom>
+          <a:ln>
+            <a:tailEnd type="arrow"/>
+          </a:ln>
+        </p:spPr>
+        <p:style>
+          <a:lnRef idx="1">
+            <a:schemeClr val="accent1"/>
+          </a:lnRef>
+          <a:fillRef idx="0">
+            <a:schemeClr val="accent1"/>
+          </a:fillRef>
+          <a:effectRef idx="0">
+            <a:schemeClr val="accent1"/>
+          </a:effectRef>
+          <a:fontRef idx="minor">
+            <a:schemeClr val="tx1"/>
+          </a:fontRef>
+        </p:style>
+      </p:cxnSp>
+      <p:sp>
+        <p:nvSpPr>
+          <p:cNvPr id="19" name="TextBox 18"/>
+          <p:cNvSpPr txBox="1"/>
+          <p:nvPr/>
+        </p:nvSpPr>
+        <p:spPr>
+          <a:xfrm>
+            <a:off x="3247734" y="4916826"/>
+            <a:ext cx="1029449" cy="553998"/>
+          </a:xfrm>
+          <a:prstGeom prst="rect">
+            <a:avLst/>
+          </a:prstGeom>
+          <a:noFill/>
+        </p:spPr>
+        <p:txBody>
+          <a:bodyPr wrap="none" rtlCol="0">
+            <a:spAutoFit/>
+          </a:bodyPr>
+          <a:lstStyle/>
+          <a:p>
+            <a:r>
+              <a:rPr lang="en-CA" sz="1000" dirty="0" smtClean="0">
+                <a:solidFill>
+                  <a:schemeClr val="bg1"/>
+                </a:solidFill>
+              </a:rPr>
+              <a:t>00,RAS,CAS,</a:t>
+            </a:r>
+          </a:p>
+          <a:p>
+            <a:r>
+              <a:rPr lang="en-CA" sz="1000" dirty="0" smtClean="0">
+                <a:solidFill>
+                  <a:schemeClr val="bg1"/>
+                </a:solidFill>
+              </a:rPr>
+              <a:t>BA,IRQ,DOTCLK,</a:t>
+            </a:r>
+          </a:p>
+          <a:p>
+            <a:r>
+              <a:rPr lang="en-CA" sz="1000" dirty="0" smtClean="0">
+                <a:solidFill>
+                  <a:schemeClr val="bg1"/>
+                </a:solidFill>
+              </a:rPr>
+              <a:t>AEC</a:t>
+            </a:r>
+          </a:p>
+        </p:txBody>
+      </p:sp>
+      <p:sp>
+        <p:nvSpPr>
+          <p:cNvPr id="20" name="Rectangle 19"/>
+          <p:cNvSpPr/>
+          <p:nvPr/>
+        </p:nvSpPr>
+        <p:spPr>
+          <a:xfrm>
+            <a:off x="2256246" y="4941168"/>
+            <a:ext cx="360040" cy="544126"/>
+          </a:xfrm>
+          <a:prstGeom prst="rect">
+            <a:avLst/>
+          </a:prstGeom>
+        </p:spPr>
+        <p:style>
+          <a:lnRef idx="2">
+            <a:schemeClr val="accent1">
+              <a:shade val="50000"/>
+            </a:schemeClr>
+          </a:lnRef>
+          <a:fillRef idx="1">
+            <a:schemeClr val="accent1"/>
+          </a:fillRef>
+          <a:effectRef idx="0">
+            <a:schemeClr val="accent1"/>
+          </a:effectRef>
+          <a:fontRef idx="minor">
+            <a:schemeClr val="lt1"/>
+          </a:fontRef>
+        </p:style>
+        <p:txBody>
+          <a:bodyPr rtlCol="0" anchor="ctr"/>
+          <a:lstStyle/>
+          <a:p>
+            <a:pPr algn="ctr"/>
+            <a:r>
+              <a:rPr lang="en-CA" sz="900" dirty="0" smtClean="0"/>
+              <a:t>LCX245</a:t>
+            </a:r>
+            <a:endParaRPr lang="en-CA" sz="900" dirty="0"/>
+          </a:p>
+        </p:txBody>
+      </p:sp>
+      <p:cxnSp>
+        <p:nvCxnSpPr>
+          <p:cNvPr id="22" name="Straight Arrow Connector 21"/>
+          <p:cNvCxnSpPr>
+            <a:endCxn id="20" idx="3"/>
+          </p:cNvCxnSpPr>
+          <p:nvPr/>
+        </p:nvCxnSpPr>
+        <p:spPr>
+          <a:xfrm flipH="1">
+            <a:off x="2616286" y="5213231"/>
+            <a:ext cx="599740" cy="0"/>
+          </a:xfrm>
+          <a:prstGeom prst="straightConnector1">
+            <a:avLst/>
+          </a:prstGeom>
+          <a:ln>
+            <a:tailEnd type="arrow"/>
+          </a:ln>
+        </p:spPr>
+        <p:style>
+          <a:lnRef idx="1">
+            <a:schemeClr val="accent1"/>
+          </a:lnRef>
+          <a:fillRef idx="0">
+            <a:schemeClr val="accent1"/>
+          </a:fillRef>
+          <a:effectRef idx="0">
+            <a:schemeClr val="accent1"/>
+          </a:effectRef>
+          <a:fontRef idx="minor">
+            <a:schemeClr val="tx1"/>
+          </a:fontRef>
+        </p:style>
+      </p:cxnSp>
+      <p:cxnSp>
+        <p:nvCxnSpPr>
+          <p:cNvPr id="25" name="Straight Arrow Connector 24"/>
+          <p:cNvCxnSpPr>
+            <a:endCxn id="12" idx="2"/>
+          </p:cNvCxnSpPr>
+          <p:nvPr/>
+        </p:nvCxnSpPr>
+        <p:spPr>
+          <a:xfrm flipV="1">
+            <a:off x="2436266" y="2988909"/>
+            <a:ext cx="0" cy="224067"/>
+          </a:xfrm>
+          <a:prstGeom prst="straightConnector1">
+            <a:avLst/>
+          </a:prstGeom>
+          <a:ln>
+            <a:tailEnd type="arrow"/>
+          </a:ln>
+        </p:spPr>
+        <p:style>
+          <a:lnRef idx="1">
+            <a:schemeClr val="accent1"/>
+          </a:lnRef>
+          <a:fillRef idx="0">
+            <a:schemeClr val="accent1"/>
+          </a:fillRef>
+          <a:effectRef idx="0">
+            <a:schemeClr val="accent1"/>
+          </a:effectRef>
+          <a:fontRef idx="minor">
+            <a:schemeClr val="tx1"/>
+          </a:fontRef>
+        </p:style>
+      </p:cxnSp>
+      <p:cxnSp>
+        <p:nvCxnSpPr>
+          <p:cNvPr id="27" name="Straight Connector 26"/>
+          <p:cNvCxnSpPr/>
+          <p:nvPr/>
+        </p:nvCxnSpPr>
+        <p:spPr>
+          <a:xfrm flipH="1">
+            <a:off x="1822722" y="3212976"/>
+            <a:ext cx="613544" cy="0"/>
+          </a:xfrm>
+          <a:prstGeom prst="line">
+            <a:avLst/>
+          </a:prstGeom>
+        </p:spPr>
+        <p:style>
+          <a:lnRef idx="1">
+            <a:schemeClr val="accent1"/>
+          </a:lnRef>
+          <a:fillRef idx="0">
+            <a:schemeClr val="accent1"/>
+          </a:fillRef>
+          <a:effectRef idx="0">
+            <a:schemeClr val="accent1"/>
+          </a:effectRef>
+          <a:fontRef idx="minor">
+            <a:schemeClr val="tx1"/>
+          </a:fontRef>
+        </p:style>
+      </p:cxnSp>
+      <p:cxnSp>
+        <p:nvCxnSpPr>
+          <p:cNvPr id="29" name="Straight Connector 28"/>
+          <p:cNvCxnSpPr/>
+          <p:nvPr/>
+        </p:nvCxnSpPr>
+        <p:spPr>
+          <a:xfrm>
+            <a:off x="1822722" y="3212976"/>
+            <a:ext cx="0" cy="776119"/>
+          </a:xfrm>
+          <a:prstGeom prst="line">
+            <a:avLst/>
+          </a:prstGeom>
+        </p:spPr>
+        <p:style>
+          <a:lnRef idx="1">
+            <a:schemeClr val="accent1"/>
+          </a:lnRef>
+          <a:fillRef idx="0">
+            <a:schemeClr val="accent1"/>
+          </a:fillRef>
+          <a:effectRef idx="0">
+            <a:schemeClr val="accent1"/>
+          </a:effectRef>
+          <a:fontRef idx="minor">
+            <a:schemeClr val="tx1"/>
+          </a:fontRef>
+        </p:style>
+      </p:cxnSp>
+      <p:cxnSp>
+        <p:nvCxnSpPr>
+          <p:cNvPr id="31" name="Straight Connector 30"/>
+          <p:cNvCxnSpPr>
+            <a:endCxn id="16" idx="1"/>
+          </p:cNvCxnSpPr>
+          <p:nvPr/>
+        </p:nvCxnSpPr>
+        <p:spPr>
+          <a:xfrm>
+            <a:off x="1547664" y="3989095"/>
+            <a:ext cx="702501" cy="0"/>
+          </a:xfrm>
+          <a:prstGeom prst="line">
+            <a:avLst/>
+          </a:prstGeom>
+        </p:spPr>
+        <p:style>
+          <a:lnRef idx="1">
+            <a:schemeClr val="accent1"/>
+          </a:lnRef>
+          <a:fillRef idx="0">
+            <a:schemeClr val="accent1"/>
+          </a:fillRef>
+          <a:effectRef idx="0">
+            <a:schemeClr val="accent1"/>
+          </a:effectRef>
+          <a:fontRef idx="minor">
+            <a:schemeClr val="tx1"/>
+          </a:fontRef>
+        </p:style>
+      </p:cxnSp>
+      <p:sp>
+        <p:nvSpPr>
+          <p:cNvPr id="32" name="TextBox 31"/>
+          <p:cNvSpPr txBox="1"/>
+          <p:nvPr/>
+        </p:nvSpPr>
+        <p:spPr>
+          <a:xfrm>
+            <a:off x="1822722" y="3009077"/>
+            <a:ext cx="372218" cy="215444"/>
+          </a:xfrm>
+          <a:prstGeom prst="rect">
+            <a:avLst/>
+          </a:prstGeom>
+          <a:noFill/>
+        </p:spPr>
+        <p:txBody>
+          <a:bodyPr wrap="none" rtlCol="0">
+            <a:spAutoFit/>
+          </a:bodyPr>
+          <a:lstStyle/>
+          <a:p>
+            <a:r>
+              <a:rPr lang="en-CA" sz="800" dirty="0" smtClean="0"/>
+              <a:t>R/W</a:t>
+            </a:r>
+            <a:endParaRPr lang="en-CA" sz="800" dirty="0"/>
+          </a:p>
+        </p:txBody>
+      </p:sp>
+      <p:sp>
+        <p:nvSpPr>
+          <p:cNvPr id="34" name="Rectangle 33"/>
+          <p:cNvSpPr/>
+          <p:nvPr/>
+        </p:nvSpPr>
+        <p:spPr>
+          <a:xfrm>
+            <a:off x="6156176" y="1253665"/>
+            <a:ext cx="432048" cy="432048"/>
+          </a:xfrm>
+          <a:prstGeom prst="rect">
+            <a:avLst/>
+          </a:prstGeom>
+        </p:spPr>
+        <p:style>
+          <a:lnRef idx="2">
+            <a:schemeClr val="accent1">
+              <a:shade val="50000"/>
+            </a:schemeClr>
+          </a:lnRef>
+          <a:fillRef idx="1">
+            <a:schemeClr val="accent1"/>
+          </a:fillRef>
+          <a:effectRef idx="0">
+            <a:schemeClr val="accent1"/>
+          </a:effectRef>
+          <a:fontRef idx="minor">
+            <a:schemeClr val="lt1"/>
+          </a:fontRef>
+        </p:style>
+        <p:txBody>
+          <a:bodyPr rtlCol="0" anchor="ctr"/>
+          <a:lstStyle/>
+          <a:p>
+            <a:pPr algn="ctr"/>
+            <a:r>
+              <a:rPr lang="en-CA" sz="1000" dirty="0" smtClean="0"/>
+              <a:t>100 MHz</a:t>
+            </a:r>
+            <a:endParaRPr lang="en-CA" sz="1000" dirty="0"/>
+          </a:p>
+        </p:txBody>
+      </p:sp>
+      <p:cxnSp>
+        <p:nvCxnSpPr>
+          <p:cNvPr id="36" name="Straight Arrow Connector 35"/>
+          <p:cNvCxnSpPr>
+            <a:stCxn id="34" idx="1"/>
+          </p:cNvCxnSpPr>
+          <p:nvPr/>
+        </p:nvCxnSpPr>
+        <p:spPr>
+          <a:xfrm flipH="1">
+            <a:off x="5351114" y="1469689"/>
+            <a:ext cx="805062" cy="0"/>
+          </a:xfrm>
+          <a:prstGeom prst="straightConnector1">
+            <a:avLst/>
+          </a:prstGeom>
+          <a:ln>
+            <a:tailEnd type="arrow"/>
+          </a:ln>
+        </p:spPr>
+        <p:style>
+          <a:lnRef idx="1">
+            <a:schemeClr val="accent1"/>
+          </a:lnRef>
+          <a:fillRef idx="0">
+            <a:schemeClr val="accent1"/>
+          </a:fillRef>
+          <a:effectRef idx="0">
+            <a:schemeClr val="accent1"/>
+          </a:effectRef>
+          <a:fontRef idx="minor">
+            <a:schemeClr val="tx1"/>
+          </a:fontRef>
+        </p:style>
+      </p:cxnSp>
+      <p:cxnSp>
+        <p:nvCxnSpPr>
+          <p:cNvPr id="38" name="Straight Arrow Connector 37"/>
+          <p:cNvCxnSpPr>
+            <a:endCxn id="7" idx="2"/>
+          </p:cNvCxnSpPr>
+          <p:nvPr/>
+        </p:nvCxnSpPr>
+        <p:spPr>
+          <a:xfrm flipV="1">
+            <a:off x="2436266" y="1812886"/>
+            <a:ext cx="0" cy="175954"/>
+          </a:xfrm>
+          <a:prstGeom prst="straightConnector1">
+            <a:avLst/>
+          </a:prstGeom>
+          <a:ln>
+            <a:tailEnd type="arrow"/>
+          </a:ln>
+        </p:spPr>
+        <p:style>
+          <a:lnRef idx="1">
+            <a:schemeClr val="accent1"/>
+          </a:lnRef>
+          <a:fillRef idx="0">
+            <a:schemeClr val="accent1"/>
+          </a:fillRef>
+          <a:effectRef idx="0">
+            <a:schemeClr val="accent1"/>
+          </a:effectRef>
+          <a:fontRef idx="minor">
+            <a:schemeClr val="tx1"/>
+          </a:fontRef>
+        </p:style>
+      </p:cxnSp>
+      <p:sp>
+        <p:nvSpPr>
+          <p:cNvPr id="39" name="TextBox 38"/>
+          <p:cNvSpPr txBox="1"/>
+          <p:nvPr/>
+        </p:nvSpPr>
+        <p:spPr>
+          <a:xfrm>
+            <a:off x="2250165" y="1974512"/>
+            <a:ext cx="348172" cy="215444"/>
+          </a:xfrm>
+          <a:prstGeom prst="rect">
+            <a:avLst/>
+          </a:prstGeom>
+          <a:noFill/>
+        </p:spPr>
+        <p:txBody>
+          <a:bodyPr wrap="none" rtlCol="0">
+            <a:spAutoFit/>
+          </a:bodyPr>
+          <a:lstStyle/>
+          <a:p>
+            <a:r>
+              <a:rPr lang="en-CA" sz="800" dirty="0" smtClean="0"/>
+              <a:t>AEC</a:t>
+            </a:r>
+            <a:endParaRPr lang="en-CA" sz="800" dirty="0"/>
+          </a:p>
+        </p:txBody>
+      </p:sp>
+      <p:sp>
+        <p:nvSpPr>
+          <p:cNvPr id="40" name="Snip Same Side Corner Rectangle 39"/>
+          <p:cNvSpPr/>
+          <p:nvPr/>
+        </p:nvSpPr>
+        <p:spPr>
+          <a:xfrm>
+            <a:off x="6033431" y="2104878"/>
+            <a:ext cx="720080" cy="518401"/>
+          </a:xfrm>
+          <a:prstGeom prst="snip2SameRect">
+            <a:avLst/>
+          </a:prstGeom>
+          <a:scene3d>
+            <a:camera prst="orthographicFront">
+              <a:rot lat="0" lon="0" rev="16200000"/>
+            </a:camera>
+            <a:lightRig rig="threePt" dir="t"/>
+          </a:scene3d>
+        </p:spPr>
+        <p:style>
+          <a:lnRef idx="2">
+            <a:schemeClr val="accent1">
+              <a:shade val="50000"/>
+            </a:schemeClr>
+          </a:lnRef>
+          <a:fillRef idx="1">
+            <a:schemeClr val="accent1"/>
+          </a:fillRef>
+          <a:effectRef idx="0">
+            <a:schemeClr val="accent1"/>
+          </a:effectRef>
+          <a:fontRef idx="minor">
+            <a:schemeClr val="lt1"/>
+          </a:fontRef>
+        </p:style>
+        <p:txBody>
+          <a:bodyPr rtlCol="0" anchor="ctr"/>
+          <a:lstStyle/>
+          <a:p>
+            <a:pPr algn="ctr"/>
+            <a:endParaRPr lang="en-CA"/>
+          </a:p>
+        </p:txBody>
+      </p:sp>
+      <p:cxnSp>
+        <p:nvCxnSpPr>
+          <p:cNvPr id="42" name="Straight Arrow Connector 41"/>
+          <p:cNvCxnSpPr/>
+          <p:nvPr/>
+        </p:nvCxnSpPr>
+        <p:spPr>
+          <a:xfrm>
+            <a:off x="5351114" y="2333169"/>
+            <a:ext cx="798575" cy="0"/>
+          </a:xfrm>
+          <a:prstGeom prst="straightConnector1">
+            <a:avLst/>
+          </a:prstGeom>
+          <a:ln>
+            <a:tailEnd type="arrow"/>
+          </a:ln>
+        </p:spPr>
+        <p:style>
+          <a:lnRef idx="1">
+            <a:schemeClr val="accent1"/>
+          </a:lnRef>
+          <a:fillRef idx="0">
+            <a:schemeClr val="accent1"/>
+          </a:fillRef>
+          <a:effectRef idx="0">
+            <a:schemeClr val="accent1"/>
+          </a:effectRef>
+          <a:fontRef idx="minor">
+            <a:schemeClr val="tx1"/>
+          </a:fontRef>
+        </p:style>
+      </p:cxnSp>
+      <p:sp>
+        <p:nvSpPr>
+          <p:cNvPr id="44" name="TextBox 43"/>
+          <p:cNvSpPr txBox="1"/>
+          <p:nvPr/>
+        </p:nvSpPr>
+        <p:spPr>
+          <a:xfrm>
+            <a:off x="6739695" y="2189956"/>
+            <a:ext cx="592213" cy="369332"/>
+          </a:xfrm>
+          <a:prstGeom prst="rect">
+            <a:avLst/>
+          </a:prstGeom>
+          <a:noFill/>
+        </p:spPr>
+        <p:txBody>
+          <a:bodyPr wrap="none" rtlCol="0">
+            <a:spAutoFit/>
+          </a:bodyPr>
+          <a:lstStyle/>
+          <a:p>
+            <a:r>
+              <a:rPr lang="en-CA" dirty="0" smtClean="0"/>
+              <a:t>VGA</a:t>
+            </a:r>
+            <a:endParaRPr lang="en-CA" dirty="0"/>
+          </a:p>
+        </p:txBody>
+      </p:sp>
+      <p:sp>
+        <p:nvSpPr>
+          <p:cNvPr id="46" name="TextBox 45"/>
+          <p:cNvSpPr txBox="1"/>
+          <p:nvPr/>
+        </p:nvSpPr>
+        <p:spPr>
+          <a:xfrm>
+            <a:off x="5410440" y="1997156"/>
+            <a:ext cx="644728" cy="338554"/>
+          </a:xfrm>
+          <a:prstGeom prst="rect">
+            <a:avLst/>
+          </a:prstGeom>
+          <a:noFill/>
+        </p:spPr>
+        <p:txBody>
+          <a:bodyPr wrap="none" rtlCol="0">
+            <a:spAutoFit/>
+          </a:bodyPr>
+          <a:lstStyle/>
+          <a:p>
+            <a:r>
+              <a:rPr lang="en-CA" sz="800" dirty="0" smtClean="0"/>
+              <a:t>12 –bit</a:t>
+            </a:r>
+          </a:p>
+          <a:p>
+            <a:r>
+              <a:rPr lang="en-CA" sz="800" dirty="0" smtClean="0"/>
+              <a:t>4,4,4 RDAC</a:t>
+            </a:r>
+            <a:endParaRPr lang="en-CA" sz="800" dirty="0"/>
+          </a:p>
+        </p:txBody>
+      </p:sp>
+      <p:sp>
+        <p:nvSpPr>
+          <p:cNvPr id="47" name="TextBox 46"/>
+          <p:cNvSpPr txBox="1"/>
+          <p:nvPr/>
+        </p:nvSpPr>
+        <p:spPr>
+          <a:xfrm>
+            <a:off x="1884028" y="4261158"/>
+            <a:ext cx="763351" cy="215444"/>
+          </a:xfrm>
+          <a:prstGeom prst="rect">
+            <a:avLst/>
+          </a:prstGeom>
+          <a:noFill/>
+        </p:spPr>
+        <p:txBody>
+          <a:bodyPr wrap="none" rtlCol="0">
+            <a:spAutoFit/>
+          </a:bodyPr>
+          <a:lstStyle/>
+          <a:p>
+            <a:r>
+              <a:rPr lang="en-CA" sz="800" dirty="0" smtClean="0"/>
+              <a:t>Always Inputs</a:t>
+            </a:r>
+            <a:endParaRPr lang="en-CA" sz="800" dirty="0"/>
+          </a:p>
+        </p:txBody>
+      </p:sp>
+      <p:sp>
+        <p:nvSpPr>
+          <p:cNvPr id="48" name="TextBox 47"/>
+          <p:cNvSpPr txBox="1"/>
+          <p:nvPr/>
+        </p:nvSpPr>
+        <p:spPr>
+          <a:xfrm>
+            <a:off x="1877586" y="5520602"/>
+            <a:ext cx="838691" cy="215444"/>
+          </a:xfrm>
+          <a:prstGeom prst="rect">
+            <a:avLst/>
+          </a:prstGeom>
+          <a:noFill/>
+        </p:spPr>
+        <p:txBody>
+          <a:bodyPr wrap="none" rtlCol="0">
+            <a:spAutoFit/>
+          </a:bodyPr>
+          <a:lstStyle/>
+          <a:p>
+            <a:r>
+              <a:rPr lang="en-CA" sz="800" dirty="0" smtClean="0"/>
+              <a:t>Always Outputs</a:t>
+            </a:r>
+            <a:endParaRPr lang="en-CA" sz="800" dirty="0"/>
+          </a:p>
+        </p:txBody>
+      </p:sp>
+      <p:sp>
+        <p:nvSpPr>
+          <p:cNvPr id="49" name="TextBox 48"/>
+          <p:cNvSpPr txBox="1"/>
+          <p:nvPr/>
+        </p:nvSpPr>
+        <p:spPr>
+          <a:xfrm>
+            <a:off x="3216026" y="5805264"/>
+            <a:ext cx="500458" cy="246221"/>
+          </a:xfrm>
+          <a:prstGeom prst="rect">
+            <a:avLst/>
+          </a:prstGeom>
+          <a:noFill/>
+        </p:spPr>
+        <p:txBody>
+          <a:bodyPr wrap="none" rtlCol="0">
+            <a:spAutoFit/>
+          </a:bodyPr>
+          <a:lstStyle/>
+          <a:p>
+            <a:r>
+              <a:rPr lang="en-CA" sz="1000" dirty="0" smtClean="0">
+                <a:solidFill>
+                  <a:schemeClr val="bg1"/>
+                </a:solidFill>
+              </a:rPr>
+              <a:t>RESET</a:t>
+            </a:r>
+          </a:p>
+        </p:txBody>
+      </p:sp>
+      <p:cxnSp>
+        <p:nvCxnSpPr>
+          <p:cNvPr id="51" name="Straight Arrow Connector 50"/>
+          <p:cNvCxnSpPr/>
+          <p:nvPr/>
+        </p:nvCxnSpPr>
+        <p:spPr>
+          <a:xfrm flipH="1">
+            <a:off x="2716277" y="5928374"/>
+            <a:ext cx="493668" cy="0"/>
+          </a:xfrm>
+          <a:prstGeom prst="straightConnector1">
+            <a:avLst/>
+          </a:prstGeom>
+          <a:ln>
+            <a:tailEnd type="arrow"/>
+          </a:ln>
+        </p:spPr>
+        <p:style>
+          <a:lnRef idx="1">
+            <a:schemeClr val="accent1"/>
+          </a:lnRef>
+          <a:fillRef idx="0">
+            <a:schemeClr val="accent1"/>
+          </a:fillRef>
+          <a:effectRef idx="0">
+            <a:schemeClr val="accent1"/>
+          </a:effectRef>
+          <a:fontRef idx="minor">
+            <a:schemeClr val="tx1"/>
+          </a:fontRef>
+        </p:style>
+      </p:cxnSp>
+      <p:sp>
+        <p:nvSpPr>
+          <p:cNvPr id="3" name="Rectangle 2"/>
+          <p:cNvSpPr/>
+          <p:nvPr/>
+        </p:nvSpPr>
+        <p:spPr>
+          <a:xfrm>
+            <a:off x="6156176" y="3501008"/>
+            <a:ext cx="914400" cy="914400"/>
+          </a:xfrm>
+          <a:prstGeom prst="rect">
+            <a:avLst/>
+          </a:prstGeom>
+        </p:spPr>
+        <p:style>
+          <a:lnRef idx="2">
+            <a:schemeClr val="accent1">
+              <a:shade val="50000"/>
+            </a:schemeClr>
+          </a:lnRef>
+          <a:fillRef idx="1">
+            <a:schemeClr val="accent1"/>
+          </a:fillRef>
+          <a:effectRef idx="0">
+            <a:schemeClr val="accent1"/>
+          </a:effectRef>
+          <a:fontRef idx="minor">
+            <a:schemeClr val="lt1"/>
+          </a:fontRef>
+        </p:style>
+        <p:txBody>
+          <a:bodyPr rtlCol="0" anchor="ctr"/>
+          <a:lstStyle/>
+          <a:p>
+            <a:pPr algn="ctr"/>
+            <a:r>
+              <a:rPr lang="en-CA" dirty="0" smtClean="0"/>
+              <a:t>Flash</a:t>
+            </a:r>
+            <a:endParaRPr lang="en-CA" dirty="0"/>
+          </a:p>
+        </p:txBody>
+      </p:sp>
+      <p:cxnSp>
+        <p:nvCxnSpPr>
+          <p:cNvPr id="8" name="Straight Arrow Connector 7"/>
+          <p:cNvCxnSpPr>
+            <a:stCxn id="3" idx="1"/>
+          </p:cNvCxnSpPr>
+          <p:nvPr/>
+        </p:nvCxnSpPr>
+        <p:spPr>
+          <a:xfrm flipH="1">
+            <a:off x="5410440" y="3958208"/>
+            <a:ext cx="745736" cy="0"/>
+          </a:xfrm>
+          <a:prstGeom prst="straightConnector1">
+            <a:avLst/>
+          </a:prstGeom>
+          <a:ln>
+            <a:tailEnd type="arrow"/>
+          </a:ln>
+        </p:spPr>
+        <p:style>
+          <a:lnRef idx="1">
+            <a:schemeClr val="accent1"/>
+          </a:lnRef>
+          <a:fillRef idx="0">
+            <a:schemeClr val="accent1"/>
+          </a:fillRef>
+          <a:effectRef idx="0">
+            <a:schemeClr val="accent1"/>
+          </a:effectRef>
+          <a:fontRef idx="minor">
+            <a:schemeClr val="tx1"/>
+          </a:fontRef>
+        </p:style>
+      </p:cxnSp>
+    </p:spTree>
+    <p:extLst>
+      <p:ext uri="{BB962C8B-B14F-4D97-AF65-F5344CB8AC3E}">
+        <p14:creationId xmlns:p14="http://schemas.microsoft.com/office/powerpoint/2010/main" val="1415851666"/>
+      </p:ext>
+    </p:extLst>
+  </p:cSld>
+  <p:clrMapOvr>
+    <a:masterClrMapping/>
+  </p:clrMapOvr>
+</p:sld>
+</file>
+
+<file path=ppt/slides/slide3.xml><?xml version="1.0" encoding="utf-8"?>
+<p:sld xmlns:a="http://schemas.openxmlformats.org/drawingml/2006/main" xmlns:r="http://schemas.openxmlformats.org/officeDocument/2006/relationships" xmlns:p="http://schemas.openxmlformats.org/presentationml/2006/main">
+  <p:cSld>
+    <p:spTree>
+      <p:nvGrpSpPr>
+        <p:cNvPr id="1" name=""/>
+        <p:cNvGrpSpPr/>
+        <p:nvPr/>
+      </p:nvGrpSpPr>
+      <p:grpSpPr>
+        <a:xfrm>
+          <a:off x="0" y="0"/>
+          <a:ext cx="0" cy="0"/>
+          <a:chOff x="0" y="0"/>
+          <a:chExt cx="0" cy="0"/>
+        </a:xfrm>
+      </p:grpSpPr>
+      <p:sp>
+        <p:nvSpPr>
+          <p:cNvPr id="4" name="Rectangle 3"/>
+          <p:cNvSpPr/>
+          <p:nvPr/>
+        </p:nvSpPr>
+        <p:spPr>
+          <a:xfrm>
+            <a:off x="971600" y="1628800"/>
+            <a:ext cx="1274440" cy="4176464"/>
+          </a:xfrm>
+          <a:prstGeom prst="rect">
+            <a:avLst/>
+          </a:prstGeom>
+        </p:spPr>
+        <p:style>
+          <a:lnRef idx="2">
+            <a:schemeClr val="accent1">
+              <a:shade val="50000"/>
+            </a:schemeClr>
+          </a:lnRef>
+          <a:fillRef idx="1">
+            <a:schemeClr val="accent1"/>
+          </a:fillRef>
+          <a:effectRef idx="0">
+            <a:schemeClr val="accent1"/>
+          </a:effectRef>
+          <a:fontRef idx="minor">
+            <a:schemeClr val="lt1"/>
+          </a:fontRef>
+        </p:style>
+        <p:txBody>
+          <a:bodyPr rtlCol="0" anchor="ctr"/>
+          <a:lstStyle/>
+          <a:p>
+            <a:pPr algn="ctr"/>
+            <a:r>
+              <a:rPr lang="en-CA" dirty="0" smtClean="0"/>
+              <a:t>40 pin</a:t>
+            </a:r>
+          </a:p>
+          <a:p>
+            <a:pPr algn="ctr"/>
+            <a:r>
+              <a:rPr lang="en-CA" dirty="0" smtClean="0"/>
+              <a:t>DIP footprint</a:t>
+            </a:r>
+          </a:p>
+          <a:p>
+            <a:pPr algn="ctr"/>
+            <a:r>
+              <a:rPr lang="en-CA" dirty="0" smtClean="0"/>
+              <a:t>VIC Pinout</a:t>
+            </a:r>
+            <a:endParaRPr lang="en-CA" dirty="0"/>
+          </a:p>
+        </p:txBody>
+      </p:sp>
+      <p:cxnSp>
+        <p:nvCxnSpPr>
+          <p:cNvPr id="6" name="Straight Arrow Connector 5"/>
+          <p:cNvCxnSpPr/>
+          <p:nvPr/>
+        </p:nvCxnSpPr>
+        <p:spPr>
+          <a:xfrm>
+            <a:off x="2246040" y="4365104"/>
+            <a:ext cx="1264642" cy="0"/>
+          </a:xfrm>
+          <a:prstGeom prst="straightConnector1">
+            <a:avLst/>
+          </a:prstGeom>
+          <a:ln>
+            <a:tailEnd type="arrow"/>
+          </a:ln>
+        </p:spPr>
+        <p:style>
+          <a:lnRef idx="1">
+            <a:schemeClr val="accent1"/>
+          </a:lnRef>
+          <a:fillRef idx="0">
+            <a:schemeClr val="accent1"/>
+          </a:fillRef>
+          <a:effectRef idx="0">
+            <a:schemeClr val="accent1"/>
+          </a:effectRef>
+          <a:fontRef idx="minor">
+            <a:schemeClr val="tx1"/>
+          </a:fontRef>
+        </p:style>
+      </p:cxnSp>
+      <p:sp>
+        <p:nvSpPr>
+          <p:cNvPr id="8" name="TextBox 7"/>
+          <p:cNvSpPr txBox="1"/>
+          <p:nvPr/>
+        </p:nvSpPr>
+        <p:spPr>
+          <a:xfrm>
+            <a:off x="5220071" y="5276329"/>
+            <a:ext cx="1029449" cy="707886"/>
+          </a:xfrm>
+          <a:prstGeom prst="rect">
+            <a:avLst/>
+          </a:prstGeom>
+          <a:noFill/>
+        </p:spPr>
+        <p:txBody>
+          <a:bodyPr wrap="none" rtlCol="0">
+            <a:spAutoFit/>
+          </a:bodyPr>
+          <a:lstStyle/>
+          <a:p>
+            <a:r>
               <a:rPr lang="en-CA" sz="1000" dirty="0" smtClean="0"/>
               <a:t>00,RAS,CAS,</a:t>
             </a:r>
@@ -4492,7 +4800,6 @@
               <a:rPr lang="en-CA" sz="1000" dirty="0" smtClean="0"/>
               <a:t>RESET</a:t>
             </a:r>
-            <a:endParaRPr lang="en-CA" sz="1000" dirty="0" smtClean="0"/>
           </a:p>
         </p:txBody>
       </p:sp>
@@ -4778,7 +5085,6 @@
               <a:rPr lang="en-CA" sz="1000" dirty="0" smtClean="0"/>
               <a:t>LP, A14/A15</a:t>
             </a:r>
-            <a:endParaRPr lang="en-CA" sz="1000" dirty="0" smtClean="0"/>
           </a:p>
         </p:txBody>
       </p:sp>
